--- a/doc/教学课件/拓展知识/学习资源推荐.pptx
+++ b/doc/教学课件/拓展知识/学习资源推荐.pptx
@@ -5,30 +5,31 @@
     <p:sldMasterId id="2147483648" r:id="rId1"/>
   </p:sldMasterIdLst>
   <p:sldIdLst>
-    <p:sldId id="256" r:id="rId2"/>
+    <p:sldId id="280" r:id="rId2"/>
     <p:sldId id="257" r:id="rId3"/>
-    <p:sldId id="267" r:id="rId4"/>
-    <p:sldId id="258" r:id="rId5"/>
-    <p:sldId id="259" r:id="rId6"/>
-    <p:sldId id="262" r:id="rId7"/>
-    <p:sldId id="272" r:id="rId8"/>
-    <p:sldId id="275" r:id="rId9"/>
-    <p:sldId id="265" r:id="rId10"/>
-    <p:sldId id="271" r:id="rId11"/>
-    <p:sldId id="264" r:id="rId12"/>
-    <p:sldId id="270" r:id="rId13"/>
-    <p:sldId id="263" r:id="rId14"/>
-    <p:sldId id="269" r:id="rId15"/>
-    <p:sldId id="260" r:id="rId16"/>
-    <p:sldId id="268" r:id="rId17"/>
-    <p:sldId id="273" r:id="rId18"/>
-    <p:sldId id="266" r:id="rId19"/>
-    <p:sldId id="261" r:id="rId20"/>
-    <p:sldId id="274" r:id="rId21"/>
-    <p:sldId id="277" r:id="rId22"/>
-    <p:sldId id="276" r:id="rId23"/>
-    <p:sldId id="278" r:id="rId24"/>
-    <p:sldId id="279" r:id="rId25"/>
+    <p:sldId id="281" r:id="rId4"/>
+    <p:sldId id="267" r:id="rId5"/>
+    <p:sldId id="258" r:id="rId6"/>
+    <p:sldId id="259" r:id="rId7"/>
+    <p:sldId id="262" r:id="rId8"/>
+    <p:sldId id="272" r:id="rId9"/>
+    <p:sldId id="275" r:id="rId10"/>
+    <p:sldId id="265" r:id="rId11"/>
+    <p:sldId id="271" r:id="rId12"/>
+    <p:sldId id="264" r:id="rId13"/>
+    <p:sldId id="270" r:id="rId14"/>
+    <p:sldId id="263" r:id="rId15"/>
+    <p:sldId id="269" r:id="rId16"/>
+    <p:sldId id="260" r:id="rId17"/>
+    <p:sldId id="268" r:id="rId18"/>
+    <p:sldId id="273" r:id="rId19"/>
+    <p:sldId id="266" r:id="rId20"/>
+    <p:sldId id="261" r:id="rId21"/>
+    <p:sldId id="274" r:id="rId22"/>
+    <p:sldId id="277" r:id="rId23"/>
+    <p:sldId id="276" r:id="rId24"/>
+    <p:sldId id="278" r:id="rId25"/>
+    <p:sldId id="279" r:id="rId26"/>
   </p:sldIdLst>
   <p:sldSz cx="12192000" cy="6858000"/>
   <p:notesSz cx="6858000" cy="9144000"/>
@@ -293,7 +294,7 @@
           <a:p>
             <a:fld id="{F65B811B-E3B4-42AF-946D-EBB340E40D27}" type="datetimeFigureOut">
               <a:rPr lang="zh-CN" altLang="en-US" smtClean="0"/>
-              <a:t>2018/8/29</a:t>
+              <a:t>2018/9/2</a:t>
             </a:fld>
             <a:endParaRPr lang="zh-CN" altLang="en-US"/>
           </a:p>
@@ -491,7 +492,7 @@
           <a:p>
             <a:fld id="{F65B811B-E3B4-42AF-946D-EBB340E40D27}" type="datetimeFigureOut">
               <a:rPr lang="zh-CN" altLang="en-US" smtClean="0"/>
-              <a:t>2018/8/29</a:t>
+              <a:t>2018/9/2</a:t>
             </a:fld>
             <a:endParaRPr lang="zh-CN" altLang="en-US"/>
           </a:p>
@@ -699,7 +700,7 @@
           <a:p>
             <a:fld id="{F65B811B-E3B4-42AF-946D-EBB340E40D27}" type="datetimeFigureOut">
               <a:rPr lang="zh-CN" altLang="en-US" smtClean="0"/>
-              <a:t>2018/8/29</a:t>
+              <a:t>2018/9/2</a:t>
             </a:fld>
             <a:endParaRPr lang="zh-CN" altLang="en-US"/>
           </a:p>
@@ -897,7 +898,7 @@
           <a:p>
             <a:fld id="{F65B811B-E3B4-42AF-946D-EBB340E40D27}" type="datetimeFigureOut">
               <a:rPr lang="zh-CN" altLang="en-US" smtClean="0"/>
-              <a:t>2018/8/29</a:t>
+              <a:t>2018/9/2</a:t>
             </a:fld>
             <a:endParaRPr lang="zh-CN" altLang="en-US"/>
           </a:p>
@@ -1172,7 +1173,7 @@
           <a:p>
             <a:fld id="{F65B811B-E3B4-42AF-946D-EBB340E40D27}" type="datetimeFigureOut">
               <a:rPr lang="zh-CN" altLang="en-US" smtClean="0"/>
-              <a:t>2018/8/29</a:t>
+              <a:t>2018/9/2</a:t>
             </a:fld>
             <a:endParaRPr lang="zh-CN" altLang="en-US"/>
           </a:p>
@@ -1437,7 +1438,7 @@
           <a:p>
             <a:fld id="{F65B811B-E3B4-42AF-946D-EBB340E40D27}" type="datetimeFigureOut">
               <a:rPr lang="zh-CN" altLang="en-US" smtClean="0"/>
-              <a:t>2018/8/29</a:t>
+              <a:t>2018/9/2</a:t>
             </a:fld>
             <a:endParaRPr lang="zh-CN" altLang="en-US"/>
           </a:p>
@@ -1849,7 +1850,7 @@
           <a:p>
             <a:fld id="{F65B811B-E3B4-42AF-946D-EBB340E40D27}" type="datetimeFigureOut">
               <a:rPr lang="zh-CN" altLang="en-US" smtClean="0"/>
-              <a:t>2018/8/29</a:t>
+              <a:t>2018/9/2</a:t>
             </a:fld>
             <a:endParaRPr lang="zh-CN" altLang="en-US"/>
           </a:p>
@@ -1990,7 +1991,7 @@
           <a:p>
             <a:fld id="{F65B811B-E3B4-42AF-946D-EBB340E40D27}" type="datetimeFigureOut">
               <a:rPr lang="zh-CN" altLang="en-US" smtClean="0"/>
-              <a:t>2018/8/29</a:t>
+              <a:t>2018/9/2</a:t>
             </a:fld>
             <a:endParaRPr lang="zh-CN" altLang="en-US"/>
           </a:p>
@@ -2103,7 +2104,7 @@
           <a:p>
             <a:fld id="{F65B811B-E3B4-42AF-946D-EBB340E40D27}" type="datetimeFigureOut">
               <a:rPr lang="zh-CN" altLang="en-US" smtClean="0"/>
-              <a:t>2018/8/29</a:t>
+              <a:t>2018/9/2</a:t>
             </a:fld>
             <a:endParaRPr lang="zh-CN" altLang="en-US"/>
           </a:p>
@@ -2414,7 +2415,7 @@
           <a:p>
             <a:fld id="{F65B811B-E3B4-42AF-946D-EBB340E40D27}" type="datetimeFigureOut">
               <a:rPr lang="zh-CN" altLang="en-US" smtClean="0"/>
-              <a:t>2018/8/29</a:t>
+              <a:t>2018/9/2</a:t>
             </a:fld>
             <a:endParaRPr lang="zh-CN" altLang="en-US"/>
           </a:p>
@@ -2702,7 +2703,7 @@
           <a:p>
             <a:fld id="{F65B811B-E3B4-42AF-946D-EBB340E40D27}" type="datetimeFigureOut">
               <a:rPr lang="zh-CN" altLang="en-US" smtClean="0"/>
-              <a:t>2018/8/29</a:t>
+              <a:t>2018/9/2</a:t>
             </a:fld>
             <a:endParaRPr lang="zh-CN" altLang="en-US"/>
           </a:p>
@@ -2943,7 +2944,7 @@
           <a:p>
             <a:fld id="{F65B811B-E3B4-42AF-946D-EBB340E40D27}" type="datetimeFigureOut">
               <a:rPr lang="zh-CN" altLang="en-US" smtClean="0"/>
-              <a:t>2018/8/29</a:t>
+              <a:t>2018/9/2</a:t>
             </a:fld>
             <a:endParaRPr lang="zh-CN" altLang="en-US"/>
           </a:p>
@@ -3346,14 +3347,6 @@
 <file path=ppt/slides/slide1.xml><?xml version="1.0" encoding="utf-8"?>
 <p:sld xmlns:a="http://schemas.openxmlformats.org/drawingml/2006/main" xmlns:r="http://schemas.openxmlformats.org/officeDocument/2006/relationships" xmlns:p="http://schemas.openxmlformats.org/presentationml/2006/main">
   <p:cSld>
-    <p:bg>
-      <p:bgPr>
-        <a:solidFill>
-          <a:schemeClr val="bg1"/>
-        </a:solidFill>
-        <a:effectLst/>
-      </p:bgPr>
-    </p:bg>
     <p:spTree>
       <p:nvGrpSpPr>
         <p:cNvPr id="1" name=""/>
@@ -3459,7 +3452,7 @@
         <p:spPr>
           <a:xfrm>
             <a:off x="7130737" y="3710272"/>
-            <a:ext cx="2218877" cy="584775"/>
+            <a:ext cx="2337499" cy="584775"/>
           </a:xfrm>
           <a:prstGeom prst="rect">
             <a:avLst/>
@@ -3510,7 +3503,7 @@
         <p:spPr>
           <a:xfrm>
             <a:off x="9589842" y="5988532"/>
-            <a:ext cx="1813317" cy="369332"/>
+            <a:ext cx="1838965" cy="369332"/>
           </a:xfrm>
           <a:prstGeom prst="rect">
             <a:avLst/>
@@ -3587,10 +3580,51 @@
           </a:p>
         </p:txBody>
       </p:sp>
+      <p:sp>
+        <p:nvSpPr>
+          <p:cNvPr id="7" name="文本框 6">
+            <a:extLst>
+              <a:ext uri="{FF2B5EF4-FFF2-40B4-BE49-F238E27FC236}">
+                <a16:creationId xmlns:a16="http://schemas.microsoft.com/office/drawing/2014/main" id="{90B52241-5857-4D3F-B68F-5C776E63CDA9}"/>
+              </a:ext>
+            </a:extLst>
+          </p:cNvPr>
+          <p:cNvSpPr txBox="1"/>
+          <p:nvPr/>
+        </p:nvSpPr>
+        <p:spPr>
+          <a:xfrm>
+            <a:off x="10057919" y="5619200"/>
+            <a:ext cx="877163" cy="369332"/>
+          </a:xfrm>
+          <a:prstGeom prst="rect">
+            <a:avLst/>
+          </a:prstGeom>
+          <a:noFill/>
+        </p:spPr>
+        <p:txBody>
+          <a:bodyPr wrap="none" rtlCol="0">
+            <a:spAutoFit/>
+          </a:bodyPr>
+          <a:lstStyle/>
+          <a:p>
+            <a:r>
+              <a:rPr lang="zh-CN" altLang="en-US" dirty="0">
+                <a:solidFill>
+                  <a:schemeClr val="bg1"/>
+                </a:solidFill>
+                <a:cs typeface="+mn-ea"/>
+                <a:sym typeface="+mn-lt"/>
+              </a:rPr>
+              <a:t>杨新瑞</a:t>
+            </a:r>
+          </a:p>
+        </p:txBody>
+      </p:sp>
     </p:spTree>
     <p:extLst>
       <p:ext uri="{BB962C8B-B14F-4D97-AF65-F5344CB8AC3E}">
-        <p14:creationId xmlns:p14="http://schemas.microsoft.com/office/powerpoint/2010/main" val="2263519990"/>
+        <p14:creationId xmlns:p14="http://schemas.microsoft.com/office/powerpoint/2010/main" val="2463828716"/>
       </p:ext>
     </p:extLst>
   </p:cSld>
@@ -3652,46 +3686,51 @@
           </a:prstGeom>
         </p:spPr>
       </p:pic>
-      <p:pic>
-        <p:nvPicPr>
-          <p:cNvPr id="3" name="图片 2">
-            <a:extLst>
-              <a:ext uri="{FF2B5EF4-FFF2-40B4-BE49-F238E27FC236}">
-                <a16:creationId xmlns:a16="http://schemas.microsoft.com/office/drawing/2014/main" id="{109AEC99-437A-455B-BBE0-1A00CF402352}"/>
-              </a:ext>
-            </a:extLst>
-          </p:cNvPr>
-          <p:cNvPicPr>
-            <a:picLocks noChangeAspect="1"/>
-          </p:cNvPicPr>
+      <p:sp>
+        <p:nvSpPr>
+          <p:cNvPr id="2" name="文本框 1">
+            <a:extLst>
+              <a:ext uri="{FF2B5EF4-FFF2-40B4-BE49-F238E27FC236}">
+                <a16:creationId xmlns:a16="http://schemas.microsoft.com/office/drawing/2014/main" id="{5429F10C-5591-4FDF-A19C-ADDBAA674589}"/>
+              </a:ext>
+            </a:extLst>
+          </p:cNvPr>
+          <p:cNvSpPr txBox="1"/>
           <p:nvPr/>
-        </p:nvPicPr>
-        <p:blipFill>
-          <a:blip r:embed="rId3">
-            <a:extLst>
-              <a:ext uri="{28A0092B-C50C-407E-A947-70E740481C1C}">
-                <a14:useLocalDpi xmlns:a14="http://schemas.microsoft.com/office/drawing/2010/main" val="0"/>
-              </a:ext>
-            </a:extLst>
-          </a:blip>
-          <a:stretch>
-            <a:fillRect/>
-          </a:stretch>
-        </p:blipFill>
-        <p:spPr>
-          <a:xfrm>
-            <a:off x="3761404" y="392185"/>
-            <a:ext cx="4887720" cy="6073629"/>
+        </p:nvSpPr>
+        <p:spPr>
+          <a:xfrm>
+            <a:off x="4157007" y="3013501"/>
+            <a:ext cx="3877985" cy="830997"/>
           </a:xfrm>
           <a:prstGeom prst="rect">
             <a:avLst/>
           </a:prstGeom>
-        </p:spPr>
-      </p:pic>
+          <a:noFill/>
+        </p:spPr>
+        <p:txBody>
+          <a:bodyPr wrap="none" rtlCol="0">
+            <a:spAutoFit/>
+          </a:bodyPr>
+          <a:lstStyle/>
+          <a:p>
+            <a:r>
+              <a:rPr lang="zh-CN" altLang="en-US" sz="4800" dirty="0">
+                <a:solidFill>
+                  <a:schemeClr val="bg1"/>
+                </a:solidFill>
+                <a:cs typeface="+mn-ea"/>
+                <a:sym typeface="+mn-lt"/>
+              </a:rPr>
+              <a:t>数据结构入门</a:t>
+            </a:r>
+          </a:p>
+        </p:txBody>
+      </p:sp>
     </p:spTree>
     <p:extLst>
       <p:ext uri="{BB962C8B-B14F-4D97-AF65-F5344CB8AC3E}">
-        <p14:creationId xmlns:p14="http://schemas.microsoft.com/office/powerpoint/2010/main" val="814341697"/>
+        <p14:creationId xmlns:p14="http://schemas.microsoft.com/office/powerpoint/2010/main" val="2002318421"/>
       </p:ext>
     </p:extLst>
   </p:cSld>
@@ -3753,51 +3792,46 @@
           </a:prstGeom>
         </p:spPr>
       </p:pic>
-      <p:sp>
-        <p:nvSpPr>
-          <p:cNvPr id="2" name="文本框 1">
-            <a:extLst>
-              <a:ext uri="{FF2B5EF4-FFF2-40B4-BE49-F238E27FC236}">
-                <a16:creationId xmlns:a16="http://schemas.microsoft.com/office/drawing/2014/main" id="{5429F10C-5591-4FDF-A19C-ADDBAA674589}"/>
-              </a:ext>
-            </a:extLst>
-          </p:cNvPr>
-          <p:cNvSpPr txBox="1"/>
+      <p:pic>
+        <p:nvPicPr>
+          <p:cNvPr id="3" name="图片 2">
+            <a:extLst>
+              <a:ext uri="{FF2B5EF4-FFF2-40B4-BE49-F238E27FC236}">
+                <a16:creationId xmlns:a16="http://schemas.microsoft.com/office/drawing/2014/main" id="{109AEC99-437A-455B-BBE0-1A00CF402352}"/>
+              </a:ext>
+            </a:extLst>
+          </p:cNvPr>
+          <p:cNvPicPr>
+            <a:picLocks noChangeAspect="1"/>
+          </p:cNvPicPr>
           <p:nvPr/>
-        </p:nvSpPr>
-        <p:spPr>
-          <a:xfrm>
-            <a:off x="4157007" y="3013501"/>
-            <a:ext cx="3877985" cy="830997"/>
+        </p:nvPicPr>
+        <p:blipFill>
+          <a:blip r:embed="rId3">
+            <a:extLst>
+              <a:ext uri="{28A0092B-C50C-407E-A947-70E740481C1C}">
+                <a14:useLocalDpi xmlns:a14="http://schemas.microsoft.com/office/drawing/2010/main" val="0"/>
+              </a:ext>
+            </a:extLst>
+          </a:blip>
+          <a:stretch>
+            <a:fillRect/>
+          </a:stretch>
+        </p:blipFill>
+        <p:spPr>
+          <a:xfrm>
+            <a:off x="3761404" y="392185"/>
+            <a:ext cx="4887720" cy="6073629"/>
           </a:xfrm>
           <a:prstGeom prst="rect">
             <a:avLst/>
           </a:prstGeom>
-          <a:noFill/>
-        </p:spPr>
-        <p:txBody>
-          <a:bodyPr wrap="none" rtlCol="0">
-            <a:spAutoFit/>
-          </a:bodyPr>
-          <a:lstStyle/>
-          <a:p>
-            <a:r>
-              <a:rPr lang="zh-CN" altLang="en-US" sz="4800" dirty="0">
-                <a:solidFill>
-                  <a:schemeClr val="bg1"/>
-                </a:solidFill>
-                <a:cs typeface="+mn-ea"/>
-                <a:sym typeface="+mn-lt"/>
-              </a:rPr>
-              <a:t>算法基础入门</a:t>
-            </a:r>
-          </a:p>
-        </p:txBody>
-      </p:sp>
+        </p:spPr>
+      </p:pic>
     </p:spTree>
     <p:extLst>
       <p:ext uri="{BB962C8B-B14F-4D97-AF65-F5344CB8AC3E}">
-        <p14:creationId xmlns:p14="http://schemas.microsoft.com/office/powerpoint/2010/main" val="836313880"/>
+        <p14:creationId xmlns:p14="http://schemas.microsoft.com/office/powerpoint/2010/main" val="814341697"/>
       </p:ext>
     </p:extLst>
   </p:cSld>
@@ -3859,46 +3893,51 @@
           </a:prstGeom>
         </p:spPr>
       </p:pic>
-      <p:pic>
-        <p:nvPicPr>
-          <p:cNvPr id="3" name="图片 2">
-            <a:extLst>
-              <a:ext uri="{FF2B5EF4-FFF2-40B4-BE49-F238E27FC236}">
-                <a16:creationId xmlns:a16="http://schemas.microsoft.com/office/drawing/2014/main" id="{593EE645-573C-4BD5-8872-A545ADB7D262}"/>
-              </a:ext>
-            </a:extLst>
-          </p:cNvPr>
-          <p:cNvPicPr>
-            <a:picLocks noChangeAspect="1"/>
-          </p:cNvPicPr>
+      <p:sp>
+        <p:nvSpPr>
+          <p:cNvPr id="2" name="文本框 1">
+            <a:extLst>
+              <a:ext uri="{FF2B5EF4-FFF2-40B4-BE49-F238E27FC236}">
+                <a16:creationId xmlns:a16="http://schemas.microsoft.com/office/drawing/2014/main" id="{5429F10C-5591-4FDF-A19C-ADDBAA674589}"/>
+              </a:ext>
+            </a:extLst>
+          </p:cNvPr>
+          <p:cNvSpPr txBox="1"/>
           <p:nvPr/>
-        </p:nvPicPr>
-        <p:blipFill>
-          <a:blip r:embed="rId3">
-            <a:extLst>
-              <a:ext uri="{28A0092B-C50C-407E-A947-70E740481C1C}">
-                <a14:useLocalDpi xmlns:a14="http://schemas.microsoft.com/office/drawing/2010/main" val="0"/>
-              </a:ext>
-            </a:extLst>
-          </a:blip>
-          <a:stretch>
-            <a:fillRect/>
-          </a:stretch>
-        </p:blipFill>
-        <p:spPr>
-          <a:xfrm>
-            <a:off x="4162506" y="794615"/>
-            <a:ext cx="3894815" cy="5306686"/>
+        </p:nvSpPr>
+        <p:spPr>
+          <a:xfrm>
+            <a:off x="4157007" y="3013501"/>
+            <a:ext cx="3877985" cy="830997"/>
           </a:xfrm>
           <a:prstGeom prst="rect">
             <a:avLst/>
           </a:prstGeom>
-        </p:spPr>
-      </p:pic>
+          <a:noFill/>
+        </p:spPr>
+        <p:txBody>
+          <a:bodyPr wrap="none" rtlCol="0">
+            <a:spAutoFit/>
+          </a:bodyPr>
+          <a:lstStyle/>
+          <a:p>
+            <a:r>
+              <a:rPr lang="zh-CN" altLang="en-US" sz="4800" dirty="0">
+                <a:solidFill>
+                  <a:schemeClr val="bg1"/>
+                </a:solidFill>
+                <a:cs typeface="+mn-ea"/>
+                <a:sym typeface="+mn-lt"/>
+              </a:rPr>
+              <a:t>算法基础入门</a:t>
+            </a:r>
+          </a:p>
+        </p:txBody>
+      </p:sp>
     </p:spTree>
     <p:extLst>
       <p:ext uri="{BB962C8B-B14F-4D97-AF65-F5344CB8AC3E}">
-        <p14:creationId xmlns:p14="http://schemas.microsoft.com/office/powerpoint/2010/main" val="7722053"/>
+        <p14:creationId xmlns:p14="http://schemas.microsoft.com/office/powerpoint/2010/main" val="836313880"/>
       </p:ext>
     </p:extLst>
   </p:cSld>
@@ -3960,51 +3999,46 @@
           </a:prstGeom>
         </p:spPr>
       </p:pic>
-      <p:sp>
-        <p:nvSpPr>
-          <p:cNvPr id="2" name="文本框 1">
-            <a:extLst>
-              <a:ext uri="{FF2B5EF4-FFF2-40B4-BE49-F238E27FC236}">
-                <a16:creationId xmlns:a16="http://schemas.microsoft.com/office/drawing/2014/main" id="{5429F10C-5591-4FDF-A19C-ADDBAA674589}"/>
-              </a:ext>
-            </a:extLst>
-          </p:cNvPr>
-          <p:cNvSpPr txBox="1"/>
+      <p:pic>
+        <p:nvPicPr>
+          <p:cNvPr id="3" name="图片 2">
+            <a:extLst>
+              <a:ext uri="{FF2B5EF4-FFF2-40B4-BE49-F238E27FC236}">
+                <a16:creationId xmlns:a16="http://schemas.microsoft.com/office/drawing/2014/main" id="{593EE645-573C-4BD5-8872-A545ADB7D262}"/>
+              </a:ext>
+            </a:extLst>
+          </p:cNvPr>
+          <p:cNvPicPr>
+            <a:picLocks noChangeAspect="1"/>
+          </p:cNvPicPr>
           <p:nvPr/>
-        </p:nvSpPr>
-        <p:spPr>
-          <a:xfrm>
-            <a:off x="4772561" y="3013501"/>
-            <a:ext cx="2646878" cy="830997"/>
+        </p:nvPicPr>
+        <p:blipFill>
+          <a:blip r:embed="rId3">
+            <a:extLst>
+              <a:ext uri="{28A0092B-C50C-407E-A947-70E740481C1C}">
+                <a14:useLocalDpi xmlns:a14="http://schemas.microsoft.com/office/drawing/2010/main" val="0"/>
+              </a:ext>
+            </a:extLst>
+          </a:blip>
+          <a:stretch>
+            <a:fillRect/>
+          </a:stretch>
+        </p:blipFill>
+        <p:spPr>
+          <a:xfrm>
+            <a:off x="4162506" y="794615"/>
+            <a:ext cx="3894815" cy="5306686"/>
           </a:xfrm>
           <a:prstGeom prst="rect">
             <a:avLst/>
           </a:prstGeom>
-          <a:noFill/>
-        </p:spPr>
-        <p:txBody>
-          <a:bodyPr wrap="none" rtlCol="0">
-            <a:spAutoFit/>
-          </a:bodyPr>
-          <a:lstStyle/>
-          <a:p>
-            <a:r>
-              <a:rPr lang="zh-CN" altLang="en-US" sz="4800" dirty="0">
-                <a:solidFill>
-                  <a:schemeClr val="bg1"/>
-                </a:solidFill>
-                <a:cs typeface="+mn-ea"/>
-                <a:sym typeface="+mn-lt"/>
-              </a:rPr>
-              <a:t>算法进阶</a:t>
-            </a:r>
-          </a:p>
-        </p:txBody>
-      </p:sp>
+        </p:spPr>
+      </p:pic>
     </p:spTree>
     <p:extLst>
       <p:ext uri="{BB962C8B-B14F-4D97-AF65-F5344CB8AC3E}">
-        <p14:creationId xmlns:p14="http://schemas.microsoft.com/office/powerpoint/2010/main" val="2261055743"/>
+        <p14:creationId xmlns:p14="http://schemas.microsoft.com/office/powerpoint/2010/main" val="7722053"/>
       </p:ext>
     </p:extLst>
   </p:cSld>
@@ -4066,46 +4100,51 @@
           </a:prstGeom>
         </p:spPr>
       </p:pic>
-      <p:pic>
-        <p:nvPicPr>
-          <p:cNvPr id="6" name="图片 5">
-            <a:extLst>
-              <a:ext uri="{FF2B5EF4-FFF2-40B4-BE49-F238E27FC236}">
-                <a16:creationId xmlns:a16="http://schemas.microsoft.com/office/drawing/2014/main" id="{91920E76-04CF-471A-85B0-6A03BA5127C3}"/>
-              </a:ext>
-            </a:extLst>
-          </p:cNvPr>
-          <p:cNvPicPr>
-            <a:picLocks noChangeAspect="1"/>
-          </p:cNvPicPr>
+      <p:sp>
+        <p:nvSpPr>
+          <p:cNvPr id="2" name="文本框 1">
+            <a:extLst>
+              <a:ext uri="{FF2B5EF4-FFF2-40B4-BE49-F238E27FC236}">
+                <a16:creationId xmlns:a16="http://schemas.microsoft.com/office/drawing/2014/main" id="{5429F10C-5591-4FDF-A19C-ADDBAA674589}"/>
+              </a:ext>
+            </a:extLst>
+          </p:cNvPr>
+          <p:cNvSpPr txBox="1"/>
           <p:nvPr/>
-        </p:nvPicPr>
-        <p:blipFill>
-          <a:blip r:embed="rId3">
-            <a:extLst>
-              <a:ext uri="{28A0092B-C50C-407E-A947-70E740481C1C}">
-                <a14:useLocalDpi xmlns:a14="http://schemas.microsoft.com/office/drawing/2010/main" val="0"/>
-              </a:ext>
-            </a:extLst>
-          </a:blip>
-          <a:stretch>
-            <a:fillRect/>
-          </a:stretch>
-        </p:blipFill>
-        <p:spPr>
-          <a:xfrm>
-            <a:off x="3889313" y="742647"/>
-            <a:ext cx="4275633" cy="5190770"/>
+        </p:nvSpPr>
+        <p:spPr>
+          <a:xfrm>
+            <a:off x="4772561" y="3013501"/>
+            <a:ext cx="2646878" cy="830997"/>
           </a:xfrm>
           <a:prstGeom prst="rect">
             <a:avLst/>
           </a:prstGeom>
-        </p:spPr>
-      </p:pic>
+          <a:noFill/>
+        </p:spPr>
+        <p:txBody>
+          <a:bodyPr wrap="none" rtlCol="0">
+            <a:spAutoFit/>
+          </a:bodyPr>
+          <a:lstStyle/>
+          <a:p>
+            <a:r>
+              <a:rPr lang="zh-CN" altLang="en-US" sz="4800" dirty="0">
+                <a:solidFill>
+                  <a:schemeClr val="bg1"/>
+                </a:solidFill>
+                <a:cs typeface="+mn-ea"/>
+                <a:sym typeface="+mn-lt"/>
+              </a:rPr>
+              <a:t>算法进阶</a:t>
+            </a:r>
+          </a:p>
+        </p:txBody>
+      </p:sp>
     </p:spTree>
     <p:extLst>
       <p:ext uri="{BB962C8B-B14F-4D97-AF65-F5344CB8AC3E}">
-        <p14:creationId xmlns:p14="http://schemas.microsoft.com/office/powerpoint/2010/main" val="3174076339"/>
+        <p14:creationId xmlns:p14="http://schemas.microsoft.com/office/powerpoint/2010/main" val="2261055743"/>
       </p:ext>
     </p:extLst>
   </p:cSld>
@@ -4167,6 +4206,107 @@
           </a:prstGeom>
         </p:spPr>
       </p:pic>
+      <p:pic>
+        <p:nvPicPr>
+          <p:cNvPr id="6" name="图片 5">
+            <a:extLst>
+              <a:ext uri="{FF2B5EF4-FFF2-40B4-BE49-F238E27FC236}">
+                <a16:creationId xmlns:a16="http://schemas.microsoft.com/office/drawing/2014/main" id="{91920E76-04CF-471A-85B0-6A03BA5127C3}"/>
+              </a:ext>
+            </a:extLst>
+          </p:cNvPr>
+          <p:cNvPicPr>
+            <a:picLocks noChangeAspect="1"/>
+          </p:cNvPicPr>
+          <p:nvPr/>
+        </p:nvPicPr>
+        <p:blipFill>
+          <a:blip r:embed="rId3">
+            <a:extLst>
+              <a:ext uri="{28A0092B-C50C-407E-A947-70E740481C1C}">
+                <a14:useLocalDpi xmlns:a14="http://schemas.microsoft.com/office/drawing/2010/main" val="0"/>
+              </a:ext>
+            </a:extLst>
+          </a:blip>
+          <a:stretch>
+            <a:fillRect/>
+          </a:stretch>
+        </p:blipFill>
+        <p:spPr>
+          <a:xfrm>
+            <a:off x="3889313" y="742647"/>
+            <a:ext cx="4275633" cy="5190770"/>
+          </a:xfrm>
+          <a:prstGeom prst="rect">
+            <a:avLst/>
+          </a:prstGeom>
+        </p:spPr>
+      </p:pic>
+    </p:spTree>
+    <p:extLst>
+      <p:ext uri="{BB962C8B-B14F-4D97-AF65-F5344CB8AC3E}">
+        <p14:creationId xmlns:p14="http://schemas.microsoft.com/office/powerpoint/2010/main" val="3174076339"/>
+      </p:ext>
+    </p:extLst>
+  </p:cSld>
+  <p:clrMapOvr>
+    <a:masterClrMapping/>
+  </p:clrMapOvr>
+</p:sld>
+</file>
+
+<file path=ppt/slides/slide16.xml><?xml version="1.0" encoding="utf-8"?>
+<p:sld xmlns:a="http://schemas.openxmlformats.org/drawingml/2006/main" xmlns:r="http://schemas.openxmlformats.org/officeDocument/2006/relationships" xmlns:p="http://schemas.openxmlformats.org/presentationml/2006/main">
+  <p:cSld>
+    <p:spTree>
+      <p:nvGrpSpPr>
+        <p:cNvPr id="1" name=""/>
+        <p:cNvGrpSpPr/>
+        <p:nvPr/>
+      </p:nvGrpSpPr>
+      <p:grpSpPr>
+        <a:xfrm>
+          <a:off x="0" y="0"/>
+          <a:ext cx="0" cy="0"/>
+          <a:chOff x="0" y="0"/>
+          <a:chExt cx="0" cy="0"/>
+        </a:xfrm>
+      </p:grpSpPr>
+      <p:pic>
+        <p:nvPicPr>
+          <p:cNvPr id="5" name="图片 4">
+            <a:extLst>
+              <a:ext uri="{FF2B5EF4-FFF2-40B4-BE49-F238E27FC236}">
+                <a16:creationId xmlns:a16="http://schemas.microsoft.com/office/drawing/2014/main" id="{FFBC54D9-EE7D-4F07-8427-DCC6BB637B01}"/>
+              </a:ext>
+            </a:extLst>
+          </p:cNvPr>
+          <p:cNvPicPr>
+            <a:picLocks noChangeAspect="1"/>
+          </p:cNvPicPr>
+          <p:nvPr/>
+        </p:nvPicPr>
+        <p:blipFill rotWithShape="1">
+          <a:blip r:embed="rId2">
+            <a:extLst>
+              <a:ext uri="{28A0092B-C50C-407E-A947-70E740481C1C}">
+                <a14:useLocalDpi xmlns:a14="http://schemas.microsoft.com/office/drawing/2010/main" val="0"/>
+              </a:ext>
+            </a:extLst>
+          </a:blip>
+          <a:srcRect l="1084" r="26027"/>
+          <a:stretch/>
+        </p:blipFill>
+        <p:spPr>
+          <a:xfrm>
+            <a:off x="20" y="10"/>
+            <a:ext cx="12191980" cy="6857990"/>
+          </a:xfrm>
+          <a:prstGeom prst="rect">
+            <a:avLst/>
+          </a:prstGeom>
+        </p:spPr>
+      </p:pic>
       <p:sp>
         <p:nvSpPr>
           <p:cNvPr id="2" name="文本框 1">
@@ -4200,6 +4340,8 @@
                 <a:solidFill>
                   <a:schemeClr val="bg1"/>
                 </a:solidFill>
+                <a:cs typeface="+mn-ea"/>
+                <a:sym typeface="+mn-lt"/>
               </a:rPr>
               <a:t>视频网课</a:t>
             </a:r>
@@ -4219,7 +4361,7 @@
 </p:sld>
 </file>
 
-<file path=ppt/slides/slide16.xml><?xml version="1.0" encoding="utf-8"?>
+<file path=ppt/slides/slide17.xml><?xml version="1.0" encoding="utf-8"?>
 <p:sld xmlns:a="http://schemas.openxmlformats.org/drawingml/2006/main" xmlns:r="http://schemas.openxmlformats.org/officeDocument/2006/relationships" xmlns:p="http://schemas.openxmlformats.org/presentationml/2006/main">
   <p:cSld>
     <p:bg>
@@ -4451,6 +4593,8 @@
                 <a:solidFill>
                   <a:srgbClr val="A50021"/>
                 </a:solidFill>
+                <a:cs typeface="+mn-ea"/>
+                <a:sym typeface="+mn-lt"/>
               </a:rPr>
               <a:t>慕课网</a:t>
             </a:r>
@@ -4472,7 +4616,7 @@
         <p:spPr>
           <a:xfrm>
             <a:off x="8420872" y="3573710"/>
-            <a:ext cx="3416961" cy="461665"/>
+            <a:ext cx="3827779" cy="461665"/>
           </a:xfrm>
           <a:prstGeom prst="rect">
             <a:avLst/>
@@ -4490,6 +4634,8 @@
                 <a:solidFill>
                   <a:schemeClr val="bg1"/>
                 </a:solidFill>
+                <a:cs typeface="+mn-ea"/>
+                <a:sym typeface="+mn-lt"/>
               </a:rPr>
               <a:t>https://www.imooc.com/</a:t>
             </a:r>
@@ -4497,6 +4643,8 @@
               <a:solidFill>
                 <a:schemeClr val="bg1"/>
               </a:solidFill>
+              <a:cs typeface="+mn-ea"/>
+              <a:sym typeface="+mn-lt"/>
             </a:endParaRPr>
           </a:p>
         </p:txBody>
@@ -4514,7 +4662,7 @@
 </p:sld>
 </file>
 
-<file path=ppt/slides/slide17.xml><?xml version="1.0" encoding="utf-8"?>
+<file path=ppt/slides/slide18.xml><?xml version="1.0" encoding="utf-8"?>
 <p:sld xmlns:a="http://schemas.openxmlformats.org/drawingml/2006/main" xmlns:r="http://schemas.openxmlformats.org/officeDocument/2006/relationships" xmlns:p="http://schemas.openxmlformats.org/presentationml/2006/main">
   <p:cSld>
     <p:bg>
@@ -4690,7 +4838,10 @@
           <a:lstStyle/>
           <a:p>
             <a:r>
-              <a:rPr lang="zh-CN" altLang="en-US" sz="4000" dirty="0"/>
+              <a:rPr lang="zh-CN" altLang="en-US" sz="4000" dirty="0">
+                <a:cs typeface="+mn-ea"/>
+                <a:sym typeface="+mn-lt"/>
+              </a:rPr>
               <a:t>网易云课堂</a:t>
             </a:r>
           </a:p>
@@ -4711,7 +4862,7 @@
         <p:spPr>
           <a:xfrm>
             <a:off x="1850426" y="3759200"/>
-            <a:ext cx="3170676" cy="461665"/>
+            <a:ext cx="3528787" cy="461665"/>
           </a:xfrm>
           <a:prstGeom prst="rect">
             <a:avLst/>
@@ -4729,6 +4880,8 @@
                 <a:solidFill>
                   <a:schemeClr val="bg1"/>
                 </a:solidFill>
+                <a:cs typeface="+mn-ea"/>
+                <a:sym typeface="+mn-lt"/>
               </a:rPr>
               <a:t>https://study.163.com/</a:t>
             </a:r>
@@ -4736,6 +4889,8 @@
               <a:solidFill>
                 <a:schemeClr val="bg1"/>
               </a:solidFill>
+              <a:cs typeface="+mn-ea"/>
+              <a:sym typeface="+mn-lt"/>
             </a:endParaRPr>
           </a:p>
         </p:txBody>
@@ -4753,7 +4908,7 @@
 </p:sld>
 </file>
 
-<file path=ppt/slides/slide18.xml><?xml version="1.0" encoding="utf-8"?>
+<file path=ppt/slides/slide19.xml><?xml version="1.0" encoding="utf-8"?>
 <p:sld xmlns:a="http://schemas.openxmlformats.org/drawingml/2006/main" xmlns:r="http://schemas.openxmlformats.org/officeDocument/2006/relationships" xmlns:p="http://schemas.openxmlformats.org/presentationml/2006/main">
   <p:cSld>
     <p:spTree>
@@ -4838,6 +4993,8 @@
                 <a:solidFill>
                   <a:schemeClr val="bg1"/>
                 </a:solidFill>
+                <a:cs typeface="+mn-ea"/>
+                <a:sym typeface="+mn-lt"/>
               </a:rPr>
               <a:t>博客教程</a:t>
             </a:r>
@@ -4857,7 +5014,113 @@
 </p:sld>
 </file>
 
-<file path=ppt/slides/slide19.xml><?xml version="1.0" encoding="utf-8"?>
+<file path=ppt/slides/slide2.xml><?xml version="1.0" encoding="utf-8"?>
+<p:sld xmlns:a="http://schemas.openxmlformats.org/drawingml/2006/main" xmlns:r="http://schemas.openxmlformats.org/officeDocument/2006/relationships" xmlns:p="http://schemas.openxmlformats.org/presentationml/2006/main">
+  <p:cSld>
+    <p:spTree>
+      <p:nvGrpSpPr>
+        <p:cNvPr id="1" name=""/>
+        <p:cNvGrpSpPr/>
+        <p:nvPr/>
+      </p:nvGrpSpPr>
+      <p:grpSpPr>
+        <a:xfrm>
+          <a:off x="0" y="0"/>
+          <a:ext cx="0" cy="0"/>
+          <a:chOff x="0" y="0"/>
+          <a:chExt cx="0" cy="0"/>
+        </a:xfrm>
+      </p:grpSpPr>
+      <p:pic>
+        <p:nvPicPr>
+          <p:cNvPr id="5" name="图片 4">
+            <a:extLst>
+              <a:ext uri="{FF2B5EF4-FFF2-40B4-BE49-F238E27FC236}">
+                <a16:creationId xmlns:a16="http://schemas.microsoft.com/office/drawing/2014/main" id="{FFBC54D9-EE7D-4F07-8427-DCC6BB637B01}"/>
+              </a:ext>
+            </a:extLst>
+          </p:cNvPr>
+          <p:cNvPicPr>
+            <a:picLocks noChangeAspect="1"/>
+          </p:cNvPicPr>
+          <p:nvPr/>
+        </p:nvPicPr>
+        <p:blipFill rotWithShape="1">
+          <a:blip r:embed="rId2">
+            <a:extLst>
+              <a:ext uri="{28A0092B-C50C-407E-A947-70E740481C1C}">
+                <a14:useLocalDpi xmlns:a14="http://schemas.microsoft.com/office/drawing/2010/main" val="0"/>
+              </a:ext>
+            </a:extLst>
+          </a:blip>
+          <a:srcRect l="1084" r="26027"/>
+          <a:stretch/>
+        </p:blipFill>
+        <p:spPr>
+          <a:xfrm>
+            <a:off x="20" y="10"/>
+            <a:ext cx="12191980" cy="6857990"/>
+          </a:xfrm>
+          <a:prstGeom prst="rect">
+            <a:avLst/>
+          </a:prstGeom>
+        </p:spPr>
+      </p:pic>
+      <p:sp>
+        <p:nvSpPr>
+          <p:cNvPr id="2" name="文本框 1">
+            <a:extLst>
+              <a:ext uri="{FF2B5EF4-FFF2-40B4-BE49-F238E27FC236}">
+                <a16:creationId xmlns:a16="http://schemas.microsoft.com/office/drawing/2014/main" id="{5429F10C-5591-4FDF-A19C-ADDBAA674589}"/>
+              </a:ext>
+            </a:extLst>
+          </p:cNvPr>
+          <p:cNvSpPr txBox="1"/>
+          <p:nvPr/>
+        </p:nvSpPr>
+        <p:spPr>
+          <a:xfrm>
+            <a:off x="4157007" y="3013501"/>
+            <a:ext cx="3877985" cy="830997"/>
+          </a:xfrm>
+          <a:prstGeom prst="rect">
+            <a:avLst/>
+          </a:prstGeom>
+          <a:noFill/>
+        </p:spPr>
+        <p:txBody>
+          <a:bodyPr wrap="none" rtlCol="0">
+            <a:spAutoFit/>
+          </a:bodyPr>
+          <a:lstStyle/>
+          <a:p>
+            <a:r>
+              <a:rPr lang="zh-CN" altLang="en-US" sz="4800" dirty="0">
+                <a:solidFill>
+                  <a:schemeClr val="bg1"/>
+                </a:solidFill>
+                <a:cs typeface="+mn-ea"/>
+                <a:sym typeface="+mn-lt"/>
+              </a:rPr>
+              <a:t>学习资源推荐</a:t>
+            </a:r>
+          </a:p>
+        </p:txBody>
+      </p:sp>
+    </p:spTree>
+    <p:extLst>
+      <p:ext uri="{BB962C8B-B14F-4D97-AF65-F5344CB8AC3E}">
+        <p14:creationId xmlns:p14="http://schemas.microsoft.com/office/powerpoint/2010/main" val="2092321477"/>
+      </p:ext>
+    </p:extLst>
+  </p:cSld>
+  <p:clrMapOvr>
+    <a:masterClrMapping/>
+  </p:clrMapOvr>
+</p:sld>
+</file>
+
+<file path=ppt/slides/slide20.xml><?xml version="1.0" encoding="utf-8"?>
 <p:sld xmlns:a="http://schemas.openxmlformats.org/drawingml/2006/main" xmlns:r="http://schemas.openxmlformats.org/officeDocument/2006/relationships" xmlns:p="http://schemas.openxmlformats.org/presentationml/2006/main">
   <p:cSld>
     <p:bg>
@@ -5092,6 +5355,8 @@
                     <a:lumOff val="40000"/>
                   </a:schemeClr>
                 </a:solidFill>
+                <a:cs typeface="+mn-ea"/>
+                <a:sym typeface="+mn-lt"/>
               </a:rPr>
               <a:t>菜鸟教程</a:t>
             </a:r>
@@ -5113,7 +5378,7 @@
         <p:spPr>
           <a:xfrm>
             <a:off x="8408965" y="3665989"/>
-            <a:ext cx="3400931" cy="461665"/>
+            <a:ext cx="3853427" cy="461665"/>
           </a:xfrm>
           <a:prstGeom prst="rect">
             <a:avLst/>
@@ -5131,6 +5396,8 @@
                 <a:solidFill>
                   <a:schemeClr val="bg1"/>
                 </a:solidFill>
+                <a:cs typeface="+mn-ea"/>
+                <a:sym typeface="+mn-lt"/>
               </a:rPr>
               <a:t>http://www.runoob.com/</a:t>
             </a:r>
@@ -5138,6 +5405,8 @@
               <a:solidFill>
                 <a:schemeClr val="bg1"/>
               </a:solidFill>
+              <a:cs typeface="+mn-ea"/>
+              <a:sym typeface="+mn-lt"/>
             </a:endParaRPr>
           </a:p>
         </p:txBody>
@@ -5155,113 +5424,7 @@
 </p:sld>
 </file>
 
-<file path=ppt/slides/slide2.xml><?xml version="1.0" encoding="utf-8"?>
-<p:sld xmlns:a="http://schemas.openxmlformats.org/drawingml/2006/main" xmlns:r="http://schemas.openxmlformats.org/officeDocument/2006/relationships" xmlns:p="http://schemas.openxmlformats.org/presentationml/2006/main">
-  <p:cSld>
-    <p:spTree>
-      <p:nvGrpSpPr>
-        <p:cNvPr id="1" name=""/>
-        <p:cNvGrpSpPr/>
-        <p:nvPr/>
-      </p:nvGrpSpPr>
-      <p:grpSpPr>
-        <a:xfrm>
-          <a:off x="0" y="0"/>
-          <a:ext cx="0" cy="0"/>
-          <a:chOff x="0" y="0"/>
-          <a:chExt cx="0" cy="0"/>
-        </a:xfrm>
-      </p:grpSpPr>
-      <p:pic>
-        <p:nvPicPr>
-          <p:cNvPr id="5" name="图片 4">
-            <a:extLst>
-              <a:ext uri="{FF2B5EF4-FFF2-40B4-BE49-F238E27FC236}">
-                <a16:creationId xmlns:a16="http://schemas.microsoft.com/office/drawing/2014/main" id="{FFBC54D9-EE7D-4F07-8427-DCC6BB637B01}"/>
-              </a:ext>
-            </a:extLst>
-          </p:cNvPr>
-          <p:cNvPicPr>
-            <a:picLocks noChangeAspect="1"/>
-          </p:cNvPicPr>
-          <p:nvPr/>
-        </p:nvPicPr>
-        <p:blipFill rotWithShape="1">
-          <a:blip r:embed="rId2">
-            <a:extLst>
-              <a:ext uri="{28A0092B-C50C-407E-A947-70E740481C1C}">
-                <a14:useLocalDpi xmlns:a14="http://schemas.microsoft.com/office/drawing/2010/main" val="0"/>
-              </a:ext>
-            </a:extLst>
-          </a:blip>
-          <a:srcRect l="1084" r="26027"/>
-          <a:stretch/>
-        </p:blipFill>
-        <p:spPr>
-          <a:xfrm>
-            <a:off x="20" y="10"/>
-            <a:ext cx="12191980" cy="6857990"/>
-          </a:xfrm>
-          <a:prstGeom prst="rect">
-            <a:avLst/>
-          </a:prstGeom>
-        </p:spPr>
-      </p:pic>
-      <p:sp>
-        <p:nvSpPr>
-          <p:cNvPr id="2" name="文本框 1">
-            <a:extLst>
-              <a:ext uri="{FF2B5EF4-FFF2-40B4-BE49-F238E27FC236}">
-                <a16:creationId xmlns:a16="http://schemas.microsoft.com/office/drawing/2014/main" id="{5429F10C-5591-4FDF-A19C-ADDBAA674589}"/>
-              </a:ext>
-            </a:extLst>
-          </p:cNvPr>
-          <p:cNvSpPr txBox="1"/>
-          <p:nvPr/>
-        </p:nvSpPr>
-        <p:spPr>
-          <a:xfrm>
-            <a:off x="4157007" y="3013501"/>
-            <a:ext cx="3877985" cy="830997"/>
-          </a:xfrm>
-          <a:prstGeom prst="rect">
-            <a:avLst/>
-          </a:prstGeom>
-          <a:noFill/>
-        </p:spPr>
-        <p:txBody>
-          <a:bodyPr wrap="none" rtlCol="0">
-            <a:spAutoFit/>
-          </a:bodyPr>
-          <a:lstStyle/>
-          <a:p>
-            <a:r>
-              <a:rPr lang="zh-CN" altLang="en-US" sz="4800" dirty="0">
-                <a:solidFill>
-                  <a:schemeClr val="bg1"/>
-                </a:solidFill>
-                <a:cs typeface="+mn-ea"/>
-                <a:sym typeface="+mn-lt"/>
-              </a:rPr>
-              <a:t>学习资源推荐</a:t>
-            </a:r>
-          </a:p>
-        </p:txBody>
-      </p:sp>
-    </p:spTree>
-    <p:extLst>
-      <p:ext uri="{BB962C8B-B14F-4D97-AF65-F5344CB8AC3E}">
-        <p14:creationId xmlns:p14="http://schemas.microsoft.com/office/powerpoint/2010/main" val="2092321477"/>
-      </p:ext>
-    </p:extLst>
-  </p:cSld>
-  <p:clrMapOvr>
-    <a:masterClrMapping/>
-  </p:clrMapOvr>
-</p:sld>
-</file>
-
-<file path=ppt/slides/slide20.xml><?xml version="1.0" encoding="utf-8"?>
+<file path=ppt/slides/slide21.xml><?xml version="1.0" encoding="utf-8"?>
 <p:sld xmlns:a="http://schemas.openxmlformats.org/drawingml/2006/main" xmlns:r="http://schemas.openxmlformats.org/officeDocument/2006/relationships" xmlns:p="http://schemas.openxmlformats.org/presentationml/2006/main">
   <p:cSld>
     <p:bg>
@@ -5493,21 +5656,21 @@
                 <a:solidFill>
                   <a:srgbClr val="C00000"/>
                 </a:solidFill>
-                <a:latin typeface="+mj-ea"/>
-                <a:ea typeface="+mj-ea"/>
+                <a:cs typeface="+mn-ea"/>
+                <a:sym typeface="+mn-lt"/>
               </a:rPr>
               <a:t>C</a:t>
             </a:r>
             <a:r>
               <a:rPr lang="en-US" altLang="zh-CN" sz="4000" dirty="0" err="1">
-                <a:latin typeface="+mj-ea"/>
-                <a:ea typeface="+mj-ea"/>
+                <a:cs typeface="+mn-ea"/>
+                <a:sym typeface="+mn-lt"/>
               </a:rPr>
               <a:t>SDN</a:t>
             </a:r>
             <a:endParaRPr lang="zh-CN" altLang="en-US" sz="4000" dirty="0">
-              <a:latin typeface="+mj-ea"/>
-              <a:ea typeface="+mj-ea"/>
+              <a:cs typeface="+mn-ea"/>
+              <a:sym typeface="+mn-lt"/>
             </a:endParaRPr>
           </a:p>
         </p:txBody>
@@ -5527,7 +5690,7 @@
         <p:spPr>
           <a:xfrm>
             <a:off x="8381854" y="3744686"/>
-            <a:ext cx="3170676" cy="461665"/>
+            <a:ext cx="3436646" cy="461665"/>
           </a:xfrm>
           <a:prstGeom prst="rect">
             <a:avLst/>
@@ -5545,6 +5708,8 @@
                 <a:solidFill>
                   <a:schemeClr val="bg1"/>
                 </a:solidFill>
+                <a:cs typeface="+mn-ea"/>
+                <a:sym typeface="+mn-lt"/>
               </a:rPr>
               <a:t>https://www.csdn.net/</a:t>
             </a:r>
@@ -5552,6 +5717,8 @@
               <a:solidFill>
                 <a:schemeClr val="bg1"/>
               </a:solidFill>
+              <a:cs typeface="+mn-ea"/>
+              <a:sym typeface="+mn-lt"/>
             </a:endParaRPr>
           </a:p>
         </p:txBody>
@@ -5569,7 +5736,7 @@
 </p:sld>
 </file>
 
-<file path=ppt/slides/slide21.xml><?xml version="1.0" encoding="utf-8"?>
+<file path=ppt/slides/slide22.xml><?xml version="1.0" encoding="utf-8"?>
 <p:sld xmlns:a="http://schemas.openxmlformats.org/drawingml/2006/main" xmlns:r="http://schemas.openxmlformats.org/officeDocument/2006/relationships" xmlns:p="http://schemas.openxmlformats.org/presentationml/2006/main">
   <p:cSld>
     <p:bg>
@@ -5803,6 +5970,8 @@
                     <a:lumMod val="75000"/>
                   </a:schemeClr>
                 </a:solidFill>
+                <a:cs typeface="+mn-ea"/>
+                <a:sym typeface="+mn-lt"/>
               </a:rPr>
               <a:t>博客园</a:t>
             </a:r>
@@ -5824,7 +5993,7 @@
         <p:spPr>
           <a:xfrm>
             <a:off x="8408965" y="3665989"/>
-            <a:ext cx="3657411" cy="461665"/>
+            <a:ext cx="4069832" cy="461665"/>
           </a:xfrm>
           <a:prstGeom prst="rect">
             <a:avLst/>
@@ -5842,6 +6011,8 @@
                 <a:solidFill>
                   <a:schemeClr val="bg1"/>
                 </a:solidFill>
+                <a:cs typeface="+mn-ea"/>
+                <a:sym typeface="+mn-lt"/>
               </a:rPr>
               <a:t>https://www.cnblogs.com/</a:t>
             </a:r>
@@ -5849,6 +6020,8 @@
               <a:solidFill>
                 <a:schemeClr val="bg1"/>
               </a:solidFill>
+              <a:cs typeface="+mn-ea"/>
+              <a:sym typeface="+mn-lt"/>
             </a:endParaRPr>
           </a:p>
         </p:txBody>
@@ -5866,7 +6039,7 @@
 </p:sld>
 </file>
 
-<file path=ppt/slides/slide22.xml><?xml version="1.0" encoding="utf-8"?>
+<file path=ppt/slides/slide23.xml><?xml version="1.0" encoding="utf-8"?>
 <p:sld xmlns:a="http://schemas.openxmlformats.org/drawingml/2006/main" xmlns:r="http://schemas.openxmlformats.org/officeDocument/2006/relationships" xmlns:p="http://schemas.openxmlformats.org/presentationml/2006/main">
   <p:cSld>
     <p:spTree>
@@ -5951,6 +6124,8 @@
                 <a:solidFill>
                   <a:schemeClr val="bg1"/>
                 </a:solidFill>
+                <a:cs typeface="+mn-ea"/>
+                <a:sym typeface="+mn-lt"/>
               </a:rPr>
               <a:t>代码资源</a:t>
             </a:r>
@@ -5970,7 +6145,7 @@
 </p:sld>
 </file>
 
-<file path=ppt/slides/slide23.xml><?xml version="1.0" encoding="utf-8"?>
+<file path=ppt/slides/slide24.xml><?xml version="1.0" encoding="utf-8"?>
 <p:sld xmlns:a="http://schemas.openxmlformats.org/drawingml/2006/main" xmlns:r="http://schemas.openxmlformats.org/officeDocument/2006/relationships" xmlns:p="http://schemas.openxmlformats.org/presentationml/2006/main">
   <p:cSld>
     <p:bg>
@@ -6184,7 +6359,7 @@
         <p:spPr>
           <a:xfrm>
             <a:off x="2061029" y="2721114"/>
-            <a:ext cx="2467342" cy="707886"/>
+            <a:ext cx="2698944" cy="707886"/>
           </a:xfrm>
           <a:prstGeom prst="rect">
             <a:avLst/>
@@ -6202,6 +6377,8 @@
                 <a:solidFill>
                   <a:schemeClr val="bg1"/>
                 </a:solidFill>
+                <a:cs typeface="+mn-ea"/>
+                <a:sym typeface="+mn-lt"/>
               </a:rPr>
               <a:t>code</a:t>
             </a:r>
@@ -6212,6 +6389,8 @@
                     <a:lumMod val="75000"/>
                   </a:schemeClr>
                 </a:solidFill>
+                <a:cs typeface="+mn-ea"/>
+                <a:sym typeface="+mn-lt"/>
               </a:rPr>
               <a:t>forge</a:t>
             </a:r>
@@ -6221,6 +6400,8 @@
                   <a:lumMod val="75000"/>
                 </a:schemeClr>
               </a:solidFill>
+              <a:cs typeface="+mn-ea"/>
+              <a:sym typeface="+mn-lt"/>
             </a:endParaRPr>
           </a:p>
         </p:txBody>
@@ -6240,7 +6421,7 @@
         <p:spPr>
           <a:xfrm>
             <a:off x="1850426" y="3759200"/>
-            <a:ext cx="3554819" cy="461665"/>
+            <a:ext cx="3983719" cy="461665"/>
           </a:xfrm>
           <a:prstGeom prst="rect">
             <a:avLst/>
@@ -6258,6 +6439,8 @@
                 <a:solidFill>
                   <a:schemeClr val="bg1"/>
                 </a:solidFill>
+                <a:cs typeface="+mn-ea"/>
+                <a:sym typeface="+mn-lt"/>
               </a:rPr>
               <a:t>http://www.codeforge.cn/</a:t>
             </a:r>
@@ -6265,6 +6448,8 @@
               <a:solidFill>
                 <a:schemeClr val="bg1"/>
               </a:solidFill>
+              <a:cs typeface="+mn-ea"/>
+              <a:sym typeface="+mn-lt"/>
             </a:endParaRPr>
           </a:p>
         </p:txBody>
@@ -6282,7 +6467,7 @@
 </p:sld>
 </file>
 
-<file path=ppt/slides/slide24.xml><?xml version="1.0" encoding="utf-8"?>
+<file path=ppt/slides/slide25.xml><?xml version="1.0" encoding="utf-8"?>
 <p:sld xmlns:a="http://schemas.openxmlformats.org/drawingml/2006/main" xmlns:r="http://schemas.openxmlformats.org/officeDocument/2006/relationships" xmlns:p="http://schemas.openxmlformats.org/presentationml/2006/main">
   <p:cSld>
     <p:bg>
@@ -6404,8 +6589,8 @@
                 <a:solidFill>
                   <a:schemeClr val="bg1"/>
                 </a:solidFill>
-                <a:latin typeface="+mj-ea"/>
-                <a:ea typeface="+mj-ea"/>
+                <a:cs typeface="+mn-ea"/>
+                <a:sym typeface="+mn-lt"/>
               </a:rPr>
               <a:t>GitHub</a:t>
             </a:r>
@@ -6413,8 +6598,8 @@
               <a:solidFill>
                 <a:schemeClr val="bg1"/>
               </a:solidFill>
-              <a:latin typeface="+mj-ea"/>
-              <a:ea typeface="+mj-ea"/>
+              <a:cs typeface="+mn-ea"/>
+              <a:sym typeface="+mn-lt"/>
             </a:endParaRPr>
           </a:p>
         </p:txBody>
@@ -6434,7 +6619,7 @@
         <p:spPr>
           <a:xfrm>
             <a:off x="8747170" y="3744685"/>
-            <a:ext cx="2698175" cy="461665"/>
+            <a:ext cx="3094117" cy="461665"/>
           </a:xfrm>
           <a:prstGeom prst="rect">
             <a:avLst/>
@@ -6452,6 +6637,8 @@
                 <a:solidFill>
                   <a:schemeClr val="bg1"/>
                 </a:solidFill>
+                <a:cs typeface="+mn-ea"/>
+                <a:sym typeface="+mn-lt"/>
               </a:rPr>
               <a:t>https://github.com/</a:t>
             </a:r>
@@ -6459,6 +6646,8 @@
               <a:solidFill>
                 <a:schemeClr val="bg1"/>
               </a:solidFill>
+              <a:cs typeface="+mn-ea"/>
+              <a:sym typeface="+mn-lt"/>
             </a:endParaRPr>
           </a:p>
         </p:txBody>
@@ -6533,7 +6722,7 @@
           <p:cNvPr id="2" name="文本框 1">
             <a:extLst>
               <a:ext uri="{FF2B5EF4-FFF2-40B4-BE49-F238E27FC236}">
-                <a16:creationId xmlns:a16="http://schemas.microsoft.com/office/drawing/2014/main" id="{B3D3EE68-AE38-4E74-92A2-B64200608293}"/>
+                <a16:creationId xmlns:a16="http://schemas.microsoft.com/office/drawing/2014/main" id="{65ED092F-0C78-4C4E-B903-66F2A54A8AAF}"/>
               </a:ext>
             </a:extLst>
           </p:cNvPr>
@@ -6542,8 +6731,8 @@
         </p:nvSpPr>
         <p:spPr>
           <a:xfrm>
-            <a:off x="4764546" y="3013501"/>
-            <a:ext cx="2646878" cy="830997"/>
+            <a:off x="716946" y="1948645"/>
+            <a:ext cx="2852063" cy="830997"/>
           </a:xfrm>
           <a:prstGeom prst="rect">
             <a:avLst/>
@@ -6557,12 +6746,65 @@
           <a:lstStyle/>
           <a:p>
             <a:r>
+              <a:rPr lang="zh-CN" altLang="en-US" sz="4000" dirty="0">
+                <a:solidFill>
+                  <a:schemeClr val="bg1"/>
+                </a:solidFill>
+                <a:cs typeface="+mn-ea"/>
+                <a:sym typeface="+mn-lt"/>
+              </a:rPr>
+              <a:t>主要内容</a:t>
+            </a:r>
+            <a:r>
               <a:rPr lang="zh-CN" altLang="en-US" sz="4800" dirty="0">
                 <a:solidFill>
                   <a:schemeClr val="bg1"/>
                 </a:solidFill>
+                <a:cs typeface="+mn-ea"/>
+                <a:sym typeface="+mn-lt"/>
               </a:rPr>
-              <a:t>书籍资料</a:t>
+              <a:t>：</a:t>
+            </a:r>
+          </a:p>
+        </p:txBody>
+      </p:sp>
+      <p:sp>
+        <p:nvSpPr>
+          <p:cNvPr id="3" name="文本框 2">
+            <a:extLst>
+              <a:ext uri="{FF2B5EF4-FFF2-40B4-BE49-F238E27FC236}">
+                <a16:creationId xmlns:a16="http://schemas.microsoft.com/office/drawing/2014/main" id="{B31626BC-1838-4AF2-8745-CE8A1E97F6D7}"/>
+              </a:ext>
+            </a:extLst>
+          </p:cNvPr>
+          <p:cNvSpPr txBox="1"/>
+          <p:nvPr/>
+        </p:nvSpPr>
+        <p:spPr>
+          <a:xfrm>
+            <a:off x="3131086" y="3136612"/>
+            <a:ext cx="5929828" cy="584775"/>
+          </a:xfrm>
+          <a:prstGeom prst="rect">
+            <a:avLst/>
+          </a:prstGeom>
+          <a:noFill/>
+        </p:spPr>
+        <p:txBody>
+          <a:bodyPr wrap="none" rtlCol="0">
+            <a:spAutoFit/>
+          </a:bodyPr>
+          <a:lstStyle/>
+          <a:p>
+            <a:r>
+              <a:rPr lang="zh-CN" altLang="en-US" sz="3200" dirty="0">
+                <a:solidFill>
+                  <a:schemeClr val="bg1"/>
+                </a:solidFill>
+                <a:cs typeface="+mn-ea"/>
+                <a:sym typeface="+mn-lt"/>
+              </a:rPr>
+              <a:t>本节将推荐一些优质的学习资源</a:t>
             </a:r>
           </a:p>
         </p:txBody>
@@ -6570,7 +6812,7 @@
     </p:spTree>
     <p:extLst>
       <p:ext uri="{BB962C8B-B14F-4D97-AF65-F5344CB8AC3E}">
-        <p14:creationId xmlns:p14="http://schemas.microsoft.com/office/powerpoint/2010/main" val="2160983794"/>
+        <p14:creationId xmlns:p14="http://schemas.microsoft.com/office/powerpoint/2010/main" val="886013986"/>
       </p:ext>
     </p:extLst>
   </p:cSld>
@@ -6637,7 +6879,7 @@
           <p:cNvPr id="2" name="文本框 1">
             <a:extLst>
               <a:ext uri="{FF2B5EF4-FFF2-40B4-BE49-F238E27FC236}">
-                <a16:creationId xmlns:a16="http://schemas.microsoft.com/office/drawing/2014/main" id="{5429F10C-5591-4FDF-A19C-ADDBAA674589}"/>
+                <a16:creationId xmlns:a16="http://schemas.microsoft.com/office/drawing/2014/main" id="{B3D3EE68-AE38-4E74-92A2-B64200608293}"/>
               </a:ext>
             </a:extLst>
           </p:cNvPr>
@@ -6646,8 +6888,8 @@
         </p:nvSpPr>
         <p:spPr>
           <a:xfrm>
-            <a:off x="4157007" y="3013501"/>
-            <a:ext cx="3929281" cy="830997"/>
+            <a:off x="4764546" y="3013501"/>
+            <a:ext cx="2646878" cy="830997"/>
           </a:xfrm>
           <a:prstGeom prst="rect">
             <a:avLst/>
@@ -6668,7 +6910,7 @@
                 <a:cs typeface="+mn-ea"/>
                 <a:sym typeface="+mn-lt"/>
               </a:rPr>
-              <a:t>语法基础入门</a:t>
+              <a:t>书籍资料</a:t>
             </a:r>
           </a:p>
         </p:txBody>
@@ -6676,7 +6918,7 @@
     </p:spTree>
     <p:extLst>
       <p:ext uri="{BB962C8B-B14F-4D97-AF65-F5344CB8AC3E}">
-        <p14:creationId xmlns:p14="http://schemas.microsoft.com/office/powerpoint/2010/main" val="3945050773"/>
+        <p14:creationId xmlns:p14="http://schemas.microsoft.com/office/powerpoint/2010/main" val="2160983794"/>
       </p:ext>
     </p:extLst>
   </p:cSld>
@@ -6738,46 +6980,51 @@
           </a:prstGeom>
         </p:spPr>
       </p:pic>
-      <p:pic>
-        <p:nvPicPr>
-          <p:cNvPr id="3" name="图片 2">
-            <a:extLst>
-              <a:ext uri="{FF2B5EF4-FFF2-40B4-BE49-F238E27FC236}">
-                <a16:creationId xmlns:a16="http://schemas.microsoft.com/office/drawing/2014/main" id="{C31AB8B7-79C5-48E6-8325-E97DA339E243}"/>
-              </a:ext>
-            </a:extLst>
-          </p:cNvPr>
-          <p:cNvPicPr>
-            <a:picLocks noChangeAspect="1"/>
-          </p:cNvPicPr>
+      <p:sp>
+        <p:nvSpPr>
+          <p:cNvPr id="2" name="文本框 1">
+            <a:extLst>
+              <a:ext uri="{FF2B5EF4-FFF2-40B4-BE49-F238E27FC236}">
+                <a16:creationId xmlns:a16="http://schemas.microsoft.com/office/drawing/2014/main" id="{5429F10C-5591-4FDF-A19C-ADDBAA674589}"/>
+              </a:ext>
+            </a:extLst>
+          </p:cNvPr>
+          <p:cNvSpPr txBox="1"/>
           <p:nvPr/>
-        </p:nvPicPr>
-        <p:blipFill>
-          <a:blip r:embed="rId3">
-            <a:extLst>
-              <a:ext uri="{28A0092B-C50C-407E-A947-70E740481C1C}">
-                <a14:useLocalDpi xmlns:a14="http://schemas.microsoft.com/office/drawing/2010/main" val="0"/>
-              </a:ext>
-            </a:extLst>
-          </a:blip>
-          <a:stretch>
-            <a:fillRect/>
-          </a:stretch>
-        </p:blipFill>
-        <p:spPr>
-          <a:xfrm>
-            <a:off x="3952435" y="530722"/>
-            <a:ext cx="4287129" cy="5796556"/>
+        </p:nvSpPr>
+        <p:spPr>
+          <a:xfrm>
+            <a:off x="4157007" y="3013501"/>
+            <a:ext cx="3929281" cy="830997"/>
           </a:xfrm>
           <a:prstGeom prst="rect">
             <a:avLst/>
           </a:prstGeom>
-        </p:spPr>
-      </p:pic>
+          <a:noFill/>
+        </p:spPr>
+        <p:txBody>
+          <a:bodyPr wrap="none" rtlCol="0">
+            <a:spAutoFit/>
+          </a:bodyPr>
+          <a:lstStyle/>
+          <a:p>
+            <a:r>
+              <a:rPr lang="zh-CN" altLang="en-US" sz="4800" dirty="0">
+                <a:solidFill>
+                  <a:schemeClr val="bg1"/>
+                </a:solidFill>
+                <a:cs typeface="+mn-ea"/>
+                <a:sym typeface="+mn-lt"/>
+              </a:rPr>
+              <a:t>语法基础入门</a:t>
+            </a:r>
+          </a:p>
+        </p:txBody>
+      </p:sp>
     </p:spTree>
     <p:extLst>
       <p:ext uri="{BB962C8B-B14F-4D97-AF65-F5344CB8AC3E}">
-        <p14:creationId xmlns:p14="http://schemas.microsoft.com/office/powerpoint/2010/main" val="2203727359"/>
+        <p14:creationId xmlns:p14="http://schemas.microsoft.com/office/powerpoint/2010/main" val="3945050773"/>
       </p:ext>
     </p:extLst>
   </p:cSld>
@@ -6839,51 +7086,46 @@
           </a:prstGeom>
         </p:spPr>
       </p:pic>
-      <p:sp>
-        <p:nvSpPr>
-          <p:cNvPr id="2" name="文本框 1">
-            <a:extLst>
-              <a:ext uri="{FF2B5EF4-FFF2-40B4-BE49-F238E27FC236}">
-                <a16:creationId xmlns:a16="http://schemas.microsoft.com/office/drawing/2014/main" id="{5429F10C-5591-4FDF-A19C-ADDBAA674589}"/>
-              </a:ext>
-            </a:extLst>
-          </p:cNvPr>
-          <p:cNvSpPr txBox="1"/>
+      <p:pic>
+        <p:nvPicPr>
+          <p:cNvPr id="3" name="图片 2">
+            <a:extLst>
+              <a:ext uri="{FF2B5EF4-FFF2-40B4-BE49-F238E27FC236}">
+                <a16:creationId xmlns:a16="http://schemas.microsoft.com/office/drawing/2014/main" id="{C31AB8B7-79C5-48E6-8325-E97DA339E243}"/>
+              </a:ext>
+            </a:extLst>
+          </p:cNvPr>
+          <p:cNvPicPr>
+            <a:picLocks noChangeAspect="1"/>
+          </p:cNvPicPr>
           <p:nvPr/>
-        </p:nvSpPr>
-        <p:spPr>
-          <a:xfrm>
-            <a:off x="4772561" y="3013501"/>
-            <a:ext cx="2646878" cy="830997"/>
+        </p:nvPicPr>
+        <p:blipFill>
+          <a:blip r:embed="rId3">
+            <a:extLst>
+              <a:ext uri="{28A0092B-C50C-407E-A947-70E740481C1C}">
+                <a14:useLocalDpi xmlns:a14="http://schemas.microsoft.com/office/drawing/2010/main" val="0"/>
+              </a:ext>
+            </a:extLst>
+          </a:blip>
+          <a:stretch>
+            <a:fillRect/>
+          </a:stretch>
+        </p:blipFill>
+        <p:spPr>
+          <a:xfrm>
+            <a:off x="3952435" y="530722"/>
+            <a:ext cx="4287129" cy="5796556"/>
           </a:xfrm>
           <a:prstGeom prst="rect">
             <a:avLst/>
           </a:prstGeom>
-          <a:noFill/>
-        </p:spPr>
-        <p:txBody>
-          <a:bodyPr wrap="none" rtlCol="0">
-            <a:spAutoFit/>
-          </a:bodyPr>
-          <a:lstStyle/>
-          <a:p>
-            <a:r>
-              <a:rPr lang="zh-CN" altLang="en-US" sz="4800" dirty="0">
-                <a:solidFill>
-                  <a:schemeClr val="bg1"/>
-                </a:solidFill>
-                <a:cs typeface="+mn-ea"/>
-                <a:sym typeface="+mn-lt"/>
-              </a:rPr>
-              <a:t>语法进阶</a:t>
-            </a:r>
-          </a:p>
-        </p:txBody>
-      </p:sp>
+        </p:spPr>
+      </p:pic>
     </p:spTree>
     <p:extLst>
       <p:ext uri="{BB962C8B-B14F-4D97-AF65-F5344CB8AC3E}">
-        <p14:creationId xmlns:p14="http://schemas.microsoft.com/office/powerpoint/2010/main" val="2814968646"/>
+        <p14:creationId xmlns:p14="http://schemas.microsoft.com/office/powerpoint/2010/main" val="2203727359"/>
       </p:ext>
     </p:extLst>
   </p:cSld>
@@ -6945,46 +7187,51 @@
           </a:prstGeom>
         </p:spPr>
       </p:pic>
-      <p:pic>
-        <p:nvPicPr>
-          <p:cNvPr id="3" name="图片 2">
-            <a:extLst>
-              <a:ext uri="{FF2B5EF4-FFF2-40B4-BE49-F238E27FC236}">
-                <a16:creationId xmlns:a16="http://schemas.microsoft.com/office/drawing/2014/main" id="{AF7FCACD-D5F1-45B3-8806-EDEDE21AC585}"/>
-              </a:ext>
-            </a:extLst>
-          </p:cNvPr>
-          <p:cNvPicPr>
-            <a:picLocks noChangeAspect="1"/>
-          </p:cNvPicPr>
+      <p:sp>
+        <p:nvSpPr>
+          <p:cNvPr id="2" name="文本框 1">
+            <a:extLst>
+              <a:ext uri="{FF2B5EF4-FFF2-40B4-BE49-F238E27FC236}">
+                <a16:creationId xmlns:a16="http://schemas.microsoft.com/office/drawing/2014/main" id="{5429F10C-5591-4FDF-A19C-ADDBAA674589}"/>
+              </a:ext>
+            </a:extLst>
+          </p:cNvPr>
+          <p:cNvSpPr txBox="1"/>
           <p:nvPr/>
-        </p:nvPicPr>
-        <p:blipFill>
-          <a:blip r:embed="rId3">
-            <a:extLst>
-              <a:ext uri="{28A0092B-C50C-407E-A947-70E740481C1C}">
-                <a14:useLocalDpi xmlns:a14="http://schemas.microsoft.com/office/drawing/2010/main" val="0"/>
-              </a:ext>
-            </a:extLst>
-          </a:blip>
-          <a:stretch>
-            <a:fillRect/>
-          </a:stretch>
-        </p:blipFill>
-        <p:spPr>
-          <a:xfrm>
-            <a:off x="3735746" y="574562"/>
-            <a:ext cx="4720508" cy="6099693"/>
+        </p:nvSpPr>
+        <p:spPr>
+          <a:xfrm>
+            <a:off x="4772561" y="3013501"/>
+            <a:ext cx="2646878" cy="830997"/>
           </a:xfrm>
           <a:prstGeom prst="rect">
             <a:avLst/>
           </a:prstGeom>
-        </p:spPr>
-      </p:pic>
+          <a:noFill/>
+        </p:spPr>
+        <p:txBody>
+          <a:bodyPr wrap="none" rtlCol="0">
+            <a:spAutoFit/>
+          </a:bodyPr>
+          <a:lstStyle/>
+          <a:p>
+            <a:r>
+              <a:rPr lang="zh-CN" altLang="en-US" sz="4800" dirty="0">
+                <a:solidFill>
+                  <a:schemeClr val="bg1"/>
+                </a:solidFill>
+                <a:cs typeface="+mn-ea"/>
+                <a:sym typeface="+mn-lt"/>
+              </a:rPr>
+              <a:t>语法进阶</a:t>
+            </a:r>
+          </a:p>
+        </p:txBody>
+      </p:sp>
     </p:spTree>
     <p:extLst>
       <p:ext uri="{BB962C8B-B14F-4D97-AF65-F5344CB8AC3E}">
-        <p14:creationId xmlns:p14="http://schemas.microsoft.com/office/powerpoint/2010/main" val="2092125454"/>
+        <p14:creationId xmlns:p14="http://schemas.microsoft.com/office/powerpoint/2010/main" val="2814968646"/>
       </p:ext>
     </p:extLst>
   </p:cSld>
@@ -7051,7 +7298,7 @@
           <p:cNvPr id="3" name="图片 2">
             <a:extLst>
               <a:ext uri="{FF2B5EF4-FFF2-40B4-BE49-F238E27FC236}">
-                <a16:creationId xmlns:a16="http://schemas.microsoft.com/office/drawing/2014/main" id="{E4C90015-9EAA-4B55-85B5-747B011FB7ED}"/>
+                <a16:creationId xmlns:a16="http://schemas.microsoft.com/office/drawing/2014/main" id="{AF7FCACD-D5F1-45B3-8806-EDEDE21AC585}"/>
               </a:ext>
             </a:extLst>
           </p:cNvPr>
@@ -7074,8 +7321,8 @@
         </p:blipFill>
         <p:spPr>
           <a:xfrm>
-            <a:off x="3363686" y="433065"/>
-            <a:ext cx="5228771" cy="6286499"/>
+            <a:off x="3735746" y="574562"/>
+            <a:ext cx="4720508" cy="6099693"/>
           </a:xfrm>
           <a:prstGeom prst="rect">
             <a:avLst/>
@@ -7085,7 +7332,7 @@
     </p:spTree>
     <p:extLst>
       <p:ext uri="{BB962C8B-B14F-4D97-AF65-F5344CB8AC3E}">
-        <p14:creationId xmlns:p14="http://schemas.microsoft.com/office/powerpoint/2010/main" val="3441460839"/>
+        <p14:creationId xmlns:p14="http://schemas.microsoft.com/office/powerpoint/2010/main" val="2092125454"/>
       </p:ext>
     </p:extLst>
   </p:cSld>
@@ -7147,51 +7394,46 @@
           </a:prstGeom>
         </p:spPr>
       </p:pic>
-      <p:sp>
-        <p:nvSpPr>
-          <p:cNvPr id="2" name="文本框 1">
-            <a:extLst>
-              <a:ext uri="{FF2B5EF4-FFF2-40B4-BE49-F238E27FC236}">
-                <a16:creationId xmlns:a16="http://schemas.microsoft.com/office/drawing/2014/main" id="{5429F10C-5591-4FDF-A19C-ADDBAA674589}"/>
-              </a:ext>
-            </a:extLst>
-          </p:cNvPr>
-          <p:cNvSpPr txBox="1"/>
+      <p:pic>
+        <p:nvPicPr>
+          <p:cNvPr id="3" name="图片 2">
+            <a:extLst>
+              <a:ext uri="{FF2B5EF4-FFF2-40B4-BE49-F238E27FC236}">
+                <a16:creationId xmlns:a16="http://schemas.microsoft.com/office/drawing/2014/main" id="{E4C90015-9EAA-4B55-85B5-747B011FB7ED}"/>
+              </a:ext>
+            </a:extLst>
+          </p:cNvPr>
+          <p:cNvPicPr>
+            <a:picLocks noChangeAspect="1"/>
+          </p:cNvPicPr>
           <p:nvPr/>
-        </p:nvSpPr>
-        <p:spPr>
-          <a:xfrm>
-            <a:off x="4157007" y="3013501"/>
-            <a:ext cx="3877985" cy="830997"/>
+        </p:nvPicPr>
+        <p:blipFill>
+          <a:blip r:embed="rId3">
+            <a:extLst>
+              <a:ext uri="{28A0092B-C50C-407E-A947-70E740481C1C}">
+                <a14:useLocalDpi xmlns:a14="http://schemas.microsoft.com/office/drawing/2010/main" val="0"/>
+              </a:ext>
+            </a:extLst>
+          </a:blip>
+          <a:stretch>
+            <a:fillRect/>
+          </a:stretch>
+        </p:blipFill>
+        <p:spPr>
+          <a:xfrm>
+            <a:off x="3363686" y="433065"/>
+            <a:ext cx="5228771" cy="6286499"/>
           </a:xfrm>
           <a:prstGeom prst="rect">
             <a:avLst/>
           </a:prstGeom>
-          <a:noFill/>
-        </p:spPr>
-        <p:txBody>
-          <a:bodyPr wrap="none" rtlCol="0">
-            <a:spAutoFit/>
-          </a:bodyPr>
-          <a:lstStyle/>
-          <a:p>
-            <a:r>
-              <a:rPr lang="zh-CN" altLang="en-US" sz="4800" dirty="0">
-                <a:solidFill>
-                  <a:schemeClr val="bg1"/>
-                </a:solidFill>
-                <a:cs typeface="+mn-ea"/>
-                <a:sym typeface="+mn-lt"/>
-              </a:rPr>
-              <a:t>数据结构入门</a:t>
-            </a:r>
-          </a:p>
-        </p:txBody>
-      </p:sp>
+        </p:spPr>
+      </p:pic>
     </p:spTree>
     <p:extLst>
       <p:ext uri="{BB962C8B-B14F-4D97-AF65-F5344CB8AC3E}">
-        <p14:creationId xmlns:p14="http://schemas.microsoft.com/office/powerpoint/2010/main" val="2002318421"/>
+        <p14:creationId xmlns:p14="http://schemas.microsoft.com/office/powerpoint/2010/main" val="3441460839"/>
       </p:ext>
     </p:extLst>
   </p:cSld>
@@ -7244,12 +7486,12 @@
     </a:clrScheme>
     <a:fontScheme name="Temp">
       <a:majorFont>
-        <a:latin typeface="Arial" panose="020F0302020204030204"/>
+        <a:latin typeface="微软雅黑" panose="020F0302020204030204"/>
         <a:ea typeface="微软雅黑"/>
         <a:cs typeface=""/>
       </a:majorFont>
       <a:minorFont>
-        <a:latin typeface="Arial" panose="020F0502020204030204"/>
+        <a:latin typeface="微软雅黑" panose="020F0502020204030204"/>
         <a:ea typeface="微软雅黑"/>
         <a:cs typeface=""/>
       </a:minorFont>

--- a/doc/教学课件/拓展知识/学习资源推荐.pptx
+++ b/doc/教学课件/拓展知识/学习资源推荐.pptx
@@ -364,6 +364,18 @@
   <p:clrMapOvr>
     <a:masterClrMapping/>
   </p:clrMapOvr>
+  <mc:AlternateContent xmlns:mc="http://schemas.openxmlformats.org/markup-compatibility/2006">
+    <mc:Choice xmlns:p14="http://schemas.microsoft.com/office/powerpoint/2010/main" Requires="p14">
+      <p:transition spd="med" p14:dur="700">
+        <p:fade/>
+      </p:transition>
+    </mc:Choice>
+    <mc:Fallback>
+      <p:transition spd="med">
+        <p:fade/>
+      </p:transition>
+    </mc:Fallback>
+  </mc:AlternateContent>
 </p:sldLayout>
 </file>
 
@@ -562,6 +574,18 @@
   <p:clrMapOvr>
     <a:masterClrMapping/>
   </p:clrMapOvr>
+  <mc:AlternateContent xmlns:mc="http://schemas.openxmlformats.org/markup-compatibility/2006">
+    <mc:Choice xmlns:p14="http://schemas.microsoft.com/office/powerpoint/2010/main" Requires="p14">
+      <p:transition spd="med" p14:dur="700">
+        <p:fade/>
+      </p:transition>
+    </mc:Choice>
+    <mc:Fallback>
+      <p:transition spd="med">
+        <p:fade/>
+      </p:transition>
+    </mc:Fallback>
+  </mc:AlternateContent>
 </p:sldLayout>
 </file>
 
@@ -770,6 +794,18 @@
   <p:clrMapOvr>
     <a:masterClrMapping/>
   </p:clrMapOvr>
+  <mc:AlternateContent xmlns:mc="http://schemas.openxmlformats.org/markup-compatibility/2006">
+    <mc:Choice xmlns:p14="http://schemas.microsoft.com/office/powerpoint/2010/main" Requires="p14">
+      <p:transition spd="med" p14:dur="700">
+        <p:fade/>
+      </p:transition>
+    </mc:Choice>
+    <mc:Fallback>
+      <p:transition spd="med">
+        <p:fade/>
+      </p:transition>
+    </mc:Fallback>
+  </mc:AlternateContent>
 </p:sldLayout>
 </file>
 
@@ -968,6 +1004,18 @@
   <p:clrMapOvr>
     <a:masterClrMapping/>
   </p:clrMapOvr>
+  <mc:AlternateContent xmlns:mc="http://schemas.openxmlformats.org/markup-compatibility/2006">
+    <mc:Choice xmlns:p14="http://schemas.microsoft.com/office/powerpoint/2010/main" Requires="p14">
+      <p:transition spd="med" p14:dur="700">
+        <p:fade/>
+      </p:transition>
+    </mc:Choice>
+    <mc:Fallback>
+      <p:transition spd="med">
+        <p:fade/>
+      </p:transition>
+    </mc:Fallback>
+  </mc:AlternateContent>
 </p:sldLayout>
 </file>
 
@@ -1243,6 +1291,18 @@
   <p:clrMapOvr>
     <a:masterClrMapping/>
   </p:clrMapOvr>
+  <mc:AlternateContent xmlns:mc="http://schemas.openxmlformats.org/markup-compatibility/2006">
+    <mc:Choice xmlns:p14="http://schemas.microsoft.com/office/powerpoint/2010/main" Requires="p14">
+      <p:transition spd="med" p14:dur="700">
+        <p:fade/>
+      </p:transition>
+    </mc:Choice>
+    <mc:Fallback>
+      <p:transition spd="med">
+        <p:fade/>
+      </p:transition>
+    </mc:Fallback>
+  </mc:AlternateContent>
 </p:sldLayout>
 </file>
 
@@ -1508,6 +1568,18 @@
   <p:clrMapOvr>
     <a:masterClrMapping/>
   </p:clrMapOvr>
+  <mc:AlternateContent xmlns:mc="http://schemas.openxmlformats.org/markup-compatibility/2006">
+    <mc:Choice xmlns:p14="http://schemas.microsoft.com/office/powerpoint/2010/main" Requires="p14">
+      <p:transition spd="med" p14:dur="700">
+        <p:fade/>
+      </p:transition>
+    </mc:Choice>
+    <mc:Fallback>
+      <p:transition spd="med">
+        <p:fade/>
+      </p:transition>
+    </mc:Fallback>
+  </mc:AlternateContent>
 </p:sldLayout>
 </file>
 
@@ -1920,6 +1992,18 @@
   <p:clrMapOvr>
     <a:masterClrMapping/>
   </p:clrMapOvr>
+  <mc:AlternateContent xmlns:mc="http://schemas.openxmlformats.org/markup-compatibility/2006">
+    <mc:Choice xmlns:p14="http://schemas.microsoft.com/office/powerpoint/2010/main" Requires="p14">
+      <p:transition spd="med" p14:dur="700">
+        <p:fade/>
+      </p:transition>
+    </mc:Choice>
+    <mc:Fallback>
+      <p:transition spd="med">
+        <p:fade/>
+      </p:transition>
+    </mc:Fallback>
+  </mc:AlternateContent>
 </p:sldLayout>
 </file>
 
@@ -2061,6 +2145,18 @@
   <p:clrMapOvr>
     <a:masterClrMapping/>
   </p:clrMapOvr>
+  <mc:AlternateContent xmlns:mc="http://schemas.openxmlformats.org/markup-compatibility/2006">
+    <mc:Choice xmlns:p14="http://schemas.microsoft.com/office/powerpoint/2010/main" Requires="p14">
+      <p:transition spd="med" p14:dur="700">
+        <p:fade/>
+      </p:transition>
+    </mc:Choice>
+    <mc:Fallback>
+      <p:transition spd="med">
+        <p:fade/>
+      </p:transition>
+    </mc:Fallback>
+  </mc:AlternateContent>
 </p:sldLayout>
 </file>
 
@@ -2174,6 +2270,18 @@
   <p:clrMapOvr>
     <a:masterClrMapping/>
   </p:clrMapOvr>
+  <mc:AlternateContent xmlns:mc="http://schemas.openxmlformats.org/markup-compatibility/2006">
+    <mc:Choice xmlns:p14="http://schemas.microsoft.com/office/powerpoint/2010/main" Requires="p14">
+      <p:transition spd="med" p14:dur="700">
+        <p:fade/>
+      </p:transition>
+    </mc:Choice>
+    <mc:Fallback>
+      <p:transition spd="med">
+        <p:fade/>
+      </p:transition>
+    </mc:Fallback>
+  </mc:AlternateContent>
 </p:sldLayout>
 </file>
 
@@ -2485,6 +2593,18 @@
   <p:clrMapOvr>
     <a:masterClrMapping/>
   </p:clrMapOvr>
+  <mc:AlternateContent xmlns:mc="http://schemas.openxmlformats.org/markup-compatibility/2006">
+    <mc:Choice xmlns:p14="http://schemas.microsoft.com/office/powerpoint/2010/main" Requires="p14">
+      <p:transition spd="med" p14:dur="700">
+        <p:fade/>
+      </p:transition>
+    </mc:Choice>
+    <mc:Fallback>
+      <p:transition spd="med">
+        <p:fade/>
+      </p:transition>
+    </mc:Fallback>
+  </mc:AlternateContent>
 </p:sldLayout>
 </file>
 
@@ -2773,6 +2893,18 @@
   <p:clrMapOvr>
     <a:masterClrMapping/>
   </p:clrMapOvr>
+  <mc:AlternateContent xmlns:mc="http://schemas.openxmlformats.org/markup-compatibility/2006">
+    <mc:Choice xmlns:p14="http://schemas.microsoft.com/office/powerpoint/2010/main" Requires="p14">
+      <p:transition spd="med" p14:dur="700">
+        <p:fade/>
+      </p:transition>
+    </mc:Choice>
+    <mc:Fallback>
+      <p:transition spd="med">
+        <p:fade/>
+      </p:transition>
+    </mc:Fallback>
+  </mc:AlternateContent>
 </p:sldLayout>
 </file>
 
@@ -3061,6 +3193,18 @@
     <p:sldLayoutId id="2147483658" r:id="rId10"/>
     <p:sldLayoutId id="2147483659" r:id="rId11"/>
   </p:sldLayoutIdLst>
+  <mc:AlternateContent xmlns:mc="http://schemas.openxmlformats.org/markup-compatibility/2006">
+    <mc:Choice xmlns:p14="http://schemas.microsoft.com/office/powerpoint/2010/main" Requires="p14">
+      <p:transition spd="med" p14:dur="700">
+        <p:fade/>
+      </p:transition>
+    </mc:Choice>
+    <mc:Fallback>
+      <p:transition spd="med">
+        <p:fade/>
+      </p:transition>
+    </mc:Fallback>
+  </mc:AlternateContent>
   <p:txStyles>
     <p:titleStyle>
       <a:lvl1pPr algn="l" defTabSz="914400" rtl="0" eaLnBrk="1" latinLnBrk="0" hangingPunct="1">
@@ -3502,7 +3646,7 @@
         </p:nvSpPr>
         <p:spPr>
           <a:xfrm>
-            <a:off x="9589842" y="5988532"/>
+            <a:off x="10015599" y="5988532"/>
             <a:ext cx="1838965" cy="369332"/>
           </a:xfrm>
           <a:prstGeom prst="rect">
@@ -3594,7 +3738,7 @@
         </p:nvSpPr>
         <p:spPr>
           <a:xfrm>
-            <a:off x="10057919" y="5619200"/>
+            <a:off x="10919858" y="5619200"/>
             <a:ext cx="877163" cy="369332"/>
           </a:xfrm>
           <a:prstGeom prst="rect">
@@ -3631,6 +3775,18 @@
   <p:clrMapOvr>
     <a:masterClrMapping/>
   </p:clrMapOvr>
+  <mc:AlternateContent xmlns:mc="http://schemas.openxmlformats.org/markup-compatibility/2006">
+    <mc:Choice xmlns:p14="http://schemas.microsoft.com/office/powerpoint/2010/main" Requires="p14">
+      <p:transition spd="med" p14:dur="700">
+        <p:fade/>
+      </p:transition>
+    </mc:Choice>
+    <mc:Fallback>
+      <p:transition spd="med">
+        <p:fade/>
+      </p:transition>
+    </mc:Fallback>
+  </mc:AlternateContent>
 </p:sld>
 </file>
 
@@ -3737,6 +3893,18 @@
   <p:clrMapOvr>
     <a:masterClrMapping/>
   </p:clrMapOvr>
+  <mc:AlternateContent xmlns:mc="http://schemas.openxmlformats.org/markup-compatibility/2006">
+    <mc:Choice xmlns:p14="http://schemas.microsoft.com/office/powerpoint/2010/main" Requires="p14">
+      <p:transition spd="med" p14:dur="700">
+        <p:fade/>
+      </p:transition>
+    </mc:Choice>
+    <mc:Fallback>
+      <p:transition spd="med">
+        <p:fade/>
+      </p:transition>
+    </mc:Fallback>
+  </mc:AlternateContent>
 </p:sld>
 </file>
 
@@ -3838,6 +4006,18 @@
   <p:clrMapOvr>
     <a:masterClrMapping/>
   </p:clrMapOvr>
+  <mc:AlternateContent xmlns:mc="http://schemas.openxmlformats.org/markup-compatibility/2006">
+    <mc:Choice xmlns:p14="http://schemas.microsoft.com/office/powerpoint/2010/main" Requires="p14">
+      <p:transition spd="med" p14:dur="700">
+        <p:fade/>
+      </p:transition>
+    </mc:Choice>
+    <mc:Fallback>
+      <p:transition spd="med">
+        <p:fade/>
+      </p:transition>
+    </mc:Fallback>
+  </mc:AlternateContent>
 </p:sld>
 </file>
 
@@ -3944,6 +4124,18 @@
   <p:clrMapOvr>
     <a:masterClrMapping/>
   </p:clrMapOvr>
+  <mc:AlternateContent xmlns:mc="http://schemas.openxmlformats.org/markup-compatibility/2006">
+    <mc:Choice xmlns:p14="http://schemas.microsoft.com/office/powerpoint/2010/main" Requires="p14">
+      <p:transition spd="med" p14:dur="700">
+        <p:fade/>
+      </p:transition>
+    </mc:Choice>
+    <mc:Fallback>
+      <p:transition spd="med">
+        <p:fade/>
+      </p:transition>
+    </mc:Fallback>
+  </mc:AlternateContent>
 </p:sld>
 </file>
 
@@ -4045,6 +4237,18 @@
   <p:clrMapOvr>
     <a:masterClrMapping/>
   </p:clrMapOvr>
+  <mc:AlternateContent xmlns:mc="http://schemas.openxmlformats.org/markup-compatibility/2006">
+    <mc:Choice xmlns:p14="http://schemas.microsoft.com/office/powerpoint/2010/main" Requires="p14">
+      <p:transition spd="med" p14:dur="700">
+        <p:fade/>
+      </p:transition>
+    </mc:Choice>
+    <mc:Fallback>
+      <p:transition spd="med">
+        <p:fade/>
+      </p:transition>
+    </mc:Fallback>
+  </mc:AlternateContent>
 </p:sld>
 </file>
 
@@ -4151,6 +4355,18 @@
   <p:clrMapOvr>
     <a:masterClrMapping/>
   </p:clrMapOvr>
+  <mc:AlternateContent xmlns:mc="http://schemas.openxmlformats.org/markup-compatibility/2006">
+    <mc:Choice xmlns:p14="http://schemas.microsoft.com/office/powerpoint/2010/main" Requires="p14">
+      <p:transition spd="med" p14:dur="700">
+        <p:fade/>
+      </p:transition>
+    </mc:Choice>
+    <mc:Fallback>
+      <p:transition spd="med">
+        <p:fade/>
+      </p:transition>
+    </mc:Fallback>
+  </mc:AlternateContent>
 </p:sld>
 </file>
 
@@ -4252,6 +4468,18 @@
   <p:clrMapOvr>
     <a:masterClrMapping/>
   </p:clrMapOvr>
+  <mc:AlternateContent xmlns:mc="http://schemas.openxmlformats.org/markup-compatibility/2006">
+    <mc:Choice xmlns:p14="http://schemas.microsoft.com/office/powerpoint/2010/main" Requires="p14">
+      <p:transition spd="med" p14:dur="700">
+        <p:fade/>
+      </p:transition>
+    </mc:Choice>
+    <mc:Fallback>
+      <p:transition spd="med">
+        <p:fade/>
+      </p:transition>
+    </mc:Fallback>
+  </mc:AlternateContent>
 </p:sld>
 </file>
 
@@ -4358,6 +4586,18 @@
   <p:clrMapOvr>
     <a:masterClrMapping/>
   </p:clrMapOvr>
+  <mc:AlternateContent xmlns:mc="http://schemas.openxmlformats.org/markup-compatibility/2006">
+    <mc:Choice xmlns:p14="http://schemas.microsoft.com/office/powerpoint/2010/main" Requires="p14">
+      <p:transition spd="med" p14:dur="700">
+        <p:fade/>
+      </p:transition>
+    </mc:Choice>
+    <mc:Fallback>
+      <p:transition spd="med">
+        <p:fade/>
+      </p:transition>
+    </mc:Fallback>
+  </mc:AlternateContent>
 </p:sld>
 </file>
 
@@ -4659,6 +4899,18 @@
   <p:clrMapOvr>
     <a:masterClrMapping/>
   </p:clrMapOvr>
+  <mc:AlternateContent xmlns:mc="http://schemas.openxmlformats.org/markup-compatibility/2006">
+    <mc:Choice xmlns:p14="http://schemas.microsoft.com/office/powerpoint/2010/main" Requires="p14">
+      <p:transition spd="med" p14:dur="700">
+        <p:fade/>
+      </p:transition>
+    </mc:Choice>
+    <mc:Fallback>
+      <p:transition spd="med">
+        <p:fade/>
+      </p:transition>
+    </mc:Fallback>
+  </mc:AlternateContent>
 </p:sld>
 </file>
 
@@ -4905,6 +5157,18 @@
   <p:clrMapOvr>
     <a:masterClrMapping/>
   </p:clrMapOvr>
+  <mc:AlternateContent xmlns:mc="http://schemas.openxmlformats.org/markup-compatibility/2006">
+    <mc:Choice xmlns:p14="http://schemas.microsoft.com/office/powerpoint/2010/main" Requires="p14">
+      <p:transition spd="med" p14:dur="700">
+        <p:fade/>
+      </p:transition>
+    </mc:Choice>
+    <mc:Fallback>
+      <p:transition spd="med">
+        <p:fade/>
+      </p:transition>
+    </mc:Fallback>
+  </mc:AlternateContent>
 </p:sld>
 </file>
 
@@ -5011,6 +5275,18 @@
   <p:clrMapOvr>
     <a:masterClrMapping/>
   </p:clrMapOvr>
+  <mc:AlternateContent xmlns:mc="http://schemas.openxmlformats.org/markup-compatibility/2006">
+    <mc:Choice xmlns:p14="http://schemas.microsoft.com/office/powerpoint/2010/main" Requires="p14">
+      <p:transition spd="med" p14:dur="700">
+        <p:fade/>
+      </p:transition>
+    </mc:Choice>
+    <mc:Fallback>
+      <p:transition spd="med">
+        <p:fade/>
+      </p:transition>
+    </mc:Fallback>
+  </mc:AlternateContent>
 </p:sld>
 </file>
 
@@ -5117,6 +5393,18 @@
   <p:clrMapOvr>
     <a:masterClrMapping/>
   </p:clrMapOvr>
+  <mc:AlternateContent xmlns:mc="http://schemas.openxmlformats.org/markup-compatibility/2006">
+    <mc:Choice xmlns:p14="http://schemas.microsoft.com/office/powerpoint/2010/main" Requires="p14">
+      <p:transition spd="med" p14:dur="700">
+        <p:fade/>
+      </p:transition>
+    </mc:Choice>
+    <mc:Fallback>
+      <p:transition spd="med">
+        <p:fade/>
+      </p:transition>
+    </mc:Fallback>
+  </mc:AlternateContent>
 </p:sld>
 </file>
 
@@ -5421,6 +5709,18 @@
   <p:clrMapOvr>
     <a:masterClrMapping/>
   </p:clrMapOvr>
+  <mc:AlternateContent xmlns:mc="http://schemas.openxmlformats.org/markup-compatibility/2006">
+    <mc:Choice xmlns:p14="http://schemas.microsoft.com/office/powerpoint/2010/main" Requires="p14">
+      <p:transition spd="med" p14:dur="700">
+        <p:fade/>
+      </p:transition>
+    </mc:Choice>
+    <mc:Fallback>
+      <p:transition spd="med">
+        <p:fade/>
+      </p:transition>
+    </mc:Fallback>
+  </mc:AlternateContent>
 </p:sld>
 </file>
 
@@ -5733,6 +6033,18 @@
   <p:clrMapOvr>
     <a:masterClrMapping/>
   </p:clrMapOvr>
+  <mc:AlternateContent xmlns:mc="http://schemas.openxmlformats.org/markup-compatibility/2006">
+    <mc:Choice xmlns:p14="http://schemas.microsoft.com/office/powerpoint/2010/main" Requires="p14">
+      <p:transition spd="med" p14:dur="700">
+        <p:fade/>
+      </p:transition>
+    </mc:Choice>
+    <mc:Fallback>
+      <p:transition spd="med">
+        <p:fade/>
+      </p:transition>
+    </mc:Fallback>
+  </mc:AlternateContent>
 </p:sld>
 </file>
 
@@ -6036,6 +6348,18 @@
   <p:clrMapOvr>
     <a:masterClrMapping/>
   </p:clrMapOvr>
+  <mc:AlternateContent xmlns:mc="http://schemas.openxmlformats.org/markup-compatibility/2006">
+    <mc:Choice xmlns:p14="http://schemas.microsoft.com/office/powerpoint/2010/main" Requires="p14">
+      <p:transition spd="med" p14:dur="700">
+        <p:fade/>
+      </p:transition>
+    </mc:Choice>
+    <mc:Fallback>
+      <p:transition spd="med">
+        <p:fade/>
+      </p:transition>
+    </mc:Fallback>
+  </mc:AlternateContent>
 </p:sld>
 </file>
 
@@ -6142,6 +6466,18 @@
   <p:clrMapOvr>
     <a:masterClrMapping/>
   </p:clrMapOvr>
+  <mc:AlternateContent xmlns:mc="http://schemas.openxmlformats.org/markup-compatibility/2006">
+    <mc:Choice xmlns:p14="http://schemas.microsoft.com/office/powerpoint/2010/main" Requires="p14">
+      <p:transition spd="med" p14:dur="700">
+        <p:fade/>
+      </p:transition>
+    </mc:Choice>
+    <mc:Fallback>
+      <p:transition spd="med">
+        <p:fade/>
+      </p:transition>
+    </mc:Fallback>
+  </mc:AlternateContent>
 </p:sld>
 </file>
 
@@ -6464,6 +6800,18 @@
   <p:clrMapOvr>
     <a:masterClrMapping/>
   </p:clrMapOvr>
+  <mc:AlternateContent xmlns:mc="http://schemas.openxmlformats.org/markup-compatibility/2006">
+    <mc:Choice xmlns:p14="http://schemas.microsoft.com/office/powerpoint/2010/main" Requires="p14">
+      <p:transition spd="med" p14:dur="700">
+        <p:fade/>
+      </p:transition>
+    </mc:Choice>
+    <mc:Fallback>
+      <p:transition spd="med">
+        <p:fade/>
+      </p:transition>
+    </mc:Fallback>
+  </mc:AlternateContent>
 </p:sld>
 </file>
 
@@ -6662,6 +7010,18 @@
   <p:clrMapOvr>
     <a:masterClrMapping/>
   </p:clrMapOvr>
+  <mc:AlternateContent xmlns:mc="http://schemas.openxmlformats.org/markup-compatibility/2006">
+    <mc:Choice xmlns:p14="http://schemas.microsoft.com/office/powerpoint/2010/main" Requires="p14">
+      <p:transition spd="med" p14:dur="700">
+        <p:fade/>
+      </p:transition>
+    </mc:Choice>
+    <mc:Fallback>
+      <p:transition spd="med">
+        <p:fade/>
+      </p:transition>
+    </mc:Fallback>
+  </mc:AlternateContent>
 </p:sld>
 </file>
 
@@ -6819,6 +7179,18 @@
   <p:clrMapOvr>
     <a:masterClrMapping/>
   </p:clrMapOvr>
+  <mc:AlternateContent xmlns:mc="http://schemas.openxmlformats.org/markup-compatibility/2006">
+    <mc:Choice xmlns:p14="http://schemas.microsoft.com/office/powerpoint/2010/main" Requires="p14">
+      <p:transition spd="med" p14:dur="700">
+        <p:fade/>
+      </p:transition>
+    </mc:Choice>
+    <mc:Fallback>
+      <p:transition spd="med">
+        <p:fade/>
+      </p:transition>
+    </mc:Fallback>
+  </mc:AlternateContent>
 </p:sld>
 </file>
 
@@ -6925,6 +7297,18 @@
   <p:clrMapOvr>
     <a:masterClrMapping/>
   </p:clrMapOvr>
+  <mc:AlternateContent xmlns:mc="http://schemas.openxmlformats.org/markup-compatibility/2006">
+    <mc:Choice xmlns:p14="http://schemas.microsoft.com/office/powerpoint/2010/main" Requires="p14">
+      <p:transition spd="med" p14:dur="700">
+        <p:fade/>
+      </p:transition>
+    </mc:Choice>
+    <mc:Fallback>
+      <p:transition spd="med">
+        <p:fade/>
+      </p:transition>
+    </mc:Fallback>
+  </mc:AlternateContent>
 </p:sld>
 </file>
 
@@ -7031,6 +7415,18 @@
   <p:clrMapOvr>
     <a:masterClrMapping/>
   </p:clrMapOvr>
+  <mc:AlternateContent xmlns:mc="http://schemas.openxmlformats.org/markup-compatibility/2006">
+    <mc:Choice xmlns:p14="http://schemas.microsoft.com/office/powerpoint/2010/main" Requires="p14">
+      <p:transition spd="med" p14:dur="700">
+        <p:fade/>
+      </p:transition>
+    </mc:Choice>
+    <mc:Fallback>
+      <p:transition spd="med">
+        <p:fade/>
+      </p:transition>
+    </mc:Fallback>
+  </mc:AlternateContent>
 </p:sld>
 </file>
 
@@ -7132,6 +7528,18 @@
   <p:clrMapOvr>
     <a:masterClrMapping/>
   </p:clrMapOvr>
+  <mc:AlternateContent xmlns:mc="http://schemas.openxmlformats.org/markup-compatibility/2006">
+    <mc:Choice xmlns:p14="http://schemas.microsoft.com/office/powerpoint/2010/main" Requires="p14">
+      <p:transition spd="med" p14:dur="700">
+        <p:fade/>
+      </p:transition>
+    </mc:Choice>
+    <mc:Fallback>
+      <p:transition spd="med">
+        <p:fade/>
+      </p:transition>
+    </mc:Fallback>
+  </mc:AlternateContent>
 </p:sld>
 </file>
 
@@ -7238,6 +7646,18 @@
   <p:clrMapOvr>
     <a:masterClrMapping/>
   </p:clrMapOvr>
+  <mc:AlternateContent xmlns:mc="http://schemas.openxmlformats.org/markup-compatibility/2006">
+    <mc:Choice xmlns:p14="http://schemas.microsoft.com/office/powerpoint/2010/main" Requires="p14">
+      <p:transition spd="med" p14:dur="700">
+        <p:fade/>
+      </p:transition>
+    </mc:Choice>
+    <mc:Fallback>
+      <p:transition spd="med">
+        <p:fade/>
+      </p:transition>
+    </mc:Fallback>
+  </mc:AlternateContent>
 </p:sld>
 </file>
 
@@ -7339,6 +7759,18 @@
   <p:clrMapOvr>
     <a:masterClrMapping/>
   </p:clrMapOvr>
+  <mc:AlternateContent xmlns:mc="http://schemas.openxmlformats.org/markup-compatibility/2006">
+    <mc:Choice xmlns:p14="http://schemas.microsoft.com/office/powerpoint/2010/main" Requires="p14">
+      <p:transition spd="med" p14:dur="700">
+        <p:fade/>
+      </p:transition>
+    </mc:Choice>
+    <mc:Fallback>
+      <p:transition spd="med">
+        <p:fade/>
+      </p:transition>
+    </mc:Fallback>
+  </mc:AlternateContent>
 </p:sld>
 </file>
 
@@ -7440,6 +7872,18 @@
   <p:clrMapOvr>
     <a:masterClrMapping/>
   </p:clrMapOvr>
+  <mc:AlternateContent xmlns:mc="http://schemas.openxmlformats.org/markup-compatibility/2006">
+    <mc:Choice xmlns:p14="http://schemas.microsoft.com/office/powerpoint/2010/main" Requires="p14">
+      <p:transition spd="med" p14:dur="700">
+        <p:fade/>
+      </p:transition>
+    </mc:Choice>
+    <mc:Fallback>
+      <p:transition spd="med">
+        <p:fade/>
+      </p:transition>
+    </mc:Fallback>
+  </mc:AlternateContent>
 </p:sld>
 </file>
 
